--- a/DMBEM_code_structure.pptx
+++ b/DMBEM_code_structure.pptx
@@ -261,7 +261,7 @@
           <a:p>
             <a:fld id="{4362171C-C25F-479C-B4BF-1B0181DE6E1F}" type="datetimeFigureOut">
               <a:rPr lang="en-GB" smtClean="0"/>
-              <a:t>27/10/2021</a:t>
+              <a:t>28/10/2021</a:t>
             </a:fld>
             <a:endParaRPr lang="en-GB"/>
           </a:p>
@@ -461,7 +461,7 @@
           <a:p>
             <a:fld id="{4362171C-C25F-479C-B4BF-1B0181DE6E1F}" type="datetimeFigureOut">
               <a:rPr lang="en-GB" smtClean="0"/>
-              <a:t>27/10/2021</a:t>
+              <a:t>28/10/2021</a:t>
             </a:fld>
             <a:endParaRPr lang="en-GB"/>
           </a:p>
@@ -671,7 +671,7 @@
           <a:p>
             <a:fld id="{4362171C-C25F-479C-B4BF-1B0181DE6E1F}" type="datetimeFigureOut">
               <a:rPr lang="en-GB" smtClean="0"/>
-              <a:t>27/10/2021</a:t>
+              <a:t>28/10/2021</a:t>
             </a:fld>
             <a:endParaRPr lang="en-GB"/>
           </a:p>
@@ -871,7 +871,7 @@
           <a:p>
             <a:fld id="{4362171C-C25F-479C-B4BF-1B0181DE6E1F}" type="datetimeFigureOut">
               <a:rPr lang="en-GB" smtClean="0"/>
-              <a:t>27/10/2021</a:t>
+              <a:t>28/10/2021</a:t>
             </a:fld>
             <a:endParaRPr lang="en-GB"/>
           </a:p>
@@ -1147,7 +1147,7 @@
           <a:p>
             <a:fld id="{4362171C-C25F-479C-B4BF-1B0181DE6E1F}" type="datetimeFigureOut">
               <a:rPr lang="en-GB" smtClean="0"/>
-              <a:t>27/10/2021</a:t>
+              <a:t>28/10/2021</a:t>
             </a:fld>
             <a:endParaRPr lang="en-GB"/>
           </a:p>
@@ -1415,7 +1415,7 @@
           <a:p>
             <a:fld id="{4362171C-C25F-479C-B4BF-1B0181DE6E1F}" type="datetimeFigureOut">
               <a:rPr lang="en-GB" smtClean="0"/>
-              <a:t>27/10/2021</a:t>
+              <a:t>28/10/2021</a:t>
             </a:fld>
             <a:endParaRPr lang="en-GB"/>
           </a:p>
@@ -1830,7 +1830,7 @@
           <a:p>
             <a:fld id="{4362171C-C25F-479C-B4BF-1B0181DE6E1F}" type="datetimeFigureOut">
               <a:rPr lang="en-GB" smtClean="0"/>
-              <a:t>27/10/2021</a:t>
+              <a:t>28/10/2021</a:t>
             </a:fld>
             <a:endParaRPr lang="en-GB"/>
           </a:p>
@@ -1972,7 +1972,7 @@
           <a:p>
             <a:fld id="{4362171C-C25F-479C-B4BF-1B0181DE6E1F}" type="datetimeFigureOut">
               <a:rPr lang="en-GB" smtClean="0"/>
-              <a:t>27/10/2021</a:t>
+              <a:t>28/10/2021</a:t>
             </a:fld>
             <a:endParaRPr lang="en-GB"/>
           </a:p>
@@ -2085,7 +2085,7 @@
           <a:p>
             <a:fld id="{4362171C-C25F-479C-B4BF-1B0181DE6E1F}" type="datetimeFigureOut">
               <a:rPr lang="en-GB" smtClean="0"/>
-              <a:t>27/10/2021</a:t>
+              <a:t>28/10/2021</a:t>
             </a:fld>
             <a:endParaRPr lang="en-GB"/>
           </a:p>
@@ -2398,7 +2398,7 @@
           <a:p>
             <a:fld id="{4362171C-C25F-479C-B4BF-1B0181DE6E1F}" type="datetimeFigureOut">
               <a:rPr lang="en-GB" smtClean="0"/>
-              <a:t>27/10/2021</a:t>
+              <a:t>28/10/2021</a:t>
             </a:fld>
             <a:endParaRPr lang="en-GB"/>
           </a:p>
@@ -2687,7 +2687,7 @@
           <a:p>
             <a:fld id="{4362171C-C25F-479C-B4BF-1B0181DE6E1F}" type="datetimeFigureOut">
               <a:rPr lang="en-GB" smtClean="0"/>
-              <a:t>27/10/2021</a:t>
+              <a:t>28/10/2021</a:t>
             </a:fld>
             <a:endParaRPr lang="en-GB"/>
           </a:p>
@@ -2930,7 +2930,7 @@
           <a:p>
             <a:fld id="{4362171C-C25F-479C-B4BF-1B0181DE6E1F}" type="datetimeFigureOut">
               <a:rPr lang="en-GB" smtClean="0"/>
-              <a:t>27/10/2021</a:t>
+              <a:t>28/10/2021</a:t>
             </a:fld>
             <a:endParaRPr lang="en-GB"/>
           </a:p>
@@ -3361,12 +3361,17 @@
         </p:nvSpPr>
         <p:spPr>
           <a:xfrm>
-            <a:off x="812160" y="5598194"/>
-            <a:ext cx="2949612" cy="923330"/>
+            <a:off x="3608486" y="5225705"/>
+            <a:ext cx="2760332" cy="369332"/>
           </a:xfrm>
           <a:prstGeom prst="rect">
             <a:avLst/>
           </a:prstGeom>
+          <a:ln w="19050">
+            <a:solidFill>
+              <a:schemeClr val="accent2"/>
+            </a:solidFill>
+          </a:ln>
         </p:spPr>
         <p:style>
           <a:lnRef idx="2">
@@ -3390,35 +3395,7 @@
           <a:p>
             <a:r>
               <a:rPr lang="en-GB" dirty="0"/>
-              <a:t>Thermal Properties [ 29-70]</a:t>
-            </a:r>
-          </a:p>
-          <a:p>
-            <a:pPr marL="285750" indent="-285750">
-              <a:buFont typeface="Arial" panose="020B0604020202020204" pitchFamily="34" charset="0"/>
-              <a:buChar char="•"/>
-            </a:pPr>
-            <a:r>
-              <a:rPr lang="en-GB" sz="1200" dirty="0"/>
-              <a:t>Input: materials needed</a:t>
-            </a:r>
-          </a:p>
-          <a:p>
-            <a:pPr marL="285750" indent="-285750">
-              <a:buFont typeface="Arial" panose="020B0604020202020204" pitchFamily="34" charset="0"/>
-              <a:buChar char="•"/>
-            </a:pPr>
-            <a:r>
-              <a:rPr lang="en-GB" sz="1200" dirty="0"/>
-              <a:t>Output: </a:t>
-            </a:r>
-            <a:r>
-              <a:rPr lang="en-GB" sz="1200" dirty="0" err="1"/>
-              <a:t>Dataframe</a:t>
-            </a:r>
-            <a:r>
-              <a:rPr lang="en-GB" sz="1200" dirty="0"/>
-              <a:t> with properties of selected materials</a:t>
+              <a:t>Thermo-physical Properties</a:t>
             </a:r>
           </a:p>
         </p:txBody>
@@ -3437,12 +3414,17 @@
         </p:nvSpPr>
         <p:spPr>
           <a:xfrm>
-            <a:off x="2528474" y="4443463"/>
-            <a:ext cx="3148426" cy="553998"/>
+            <a:off x="3519403" y="6110457"/>
+            <a:ext cx="2362955" cy="369332"/>
           </a:xfrm>
           <a:prstGeom prst="rect">
             <a:avLst/>
           </a:prstGeom>
+          <a:ln w="19050">
+            <a:solidFill>
+              <a:schemeClr val="accent2"/>
+            </a:solidFill>
+          </a:ln>
         </p:spPr>
         <p:style>
           <a:lnRef idx="2">
@@ -3466,7 +3448,104 @@
           <a:p>
             <a:r>
               <a:rPr lang="en-GB" dirty="0"/>
-              <a:t>Building Characteristics [23-28] </a:t>
+              <a:t>Building Characteristics</a:t>
+            </a:r>
+          </a:p>
+        </p:txBody>
+      </p:sp>
+      <p:cxnSp>
+        <p:nvCxnSpPr>
+          <p:cNvPr id="16" name="Straight Arrow Connector 15">
+            <a:extLst>
+              <a:ext uri="{FF2B5EF4-FFF2-40B4-BE49-F238E27FC236}">
+                <a16:creationId xmlns:a16="http://schemas.microsoft.com/office/drawing/2014/main" id="{1876615C-322A-4916-823A-94D691DF5F4E}"/>
+              </a:ext>
+            </a:extLst>
+          </p:cNvPr>
+          <p:cNvCxnSpPr>
+            <a:cxnSpLocks/>
+          </p:cNvCxnSpPr>
+          <p:nvPr/>
+        </p:nvCxnSpPr>
+        <p:spPr>
+          <a:xfrm flipH="1">
+            <a:off x="7025691" y="1716882"/>
+            <a:ext cx="1388549" cy="1"/>
+          </a:xfrm>
+          <a:prstGeom prst="straightConnector1">
+            <a:avLst/>
+          </a:prstGeom>
+          <a:ln w="19050">
+            <a:solidFill>
+              <a:schemeClr val="accent2"/>
+            </a:solidFill>
+            <a:tailEnd type="triangle"/>
+          </a:ln>
+        </p:spPr>
+        <p:style>
+          <a:lnRef idx="1">
+            <a:schemeClr val="accent2"/>
+          </a:lnRef>
+          <a:fillRef idx="0">
+            <a:schemeClr val="accent2"/>
+          </a:fillRef>
+          <a:effectRef idx="0">
+            <a:schemeClr val="accent2"/>
+          </a:effectRef>
+          <a:fontRef idx="minor">
+            <a:schemeClr val="tx1"/>
+          </a:fontRef>
+        </p:style>
+      </p:cxnSp>
+      <p:sp>
+        <p:nvSpPr>
+          <p:cNvPr id="18" name="TextBox 17">
+            <a:extLst>
+              <a:ext uri="{FF2B5EF4-FFF2-40B4-BE49-F238E27FC236}">
+                <a16:creationId xmlns:a16="http://schemas.microsoft.com/office/drawing/2014/main" id="{F4B6A1EC-2E96-48C1-B656-65BD72B018B8}"/>
+              </a:ext>
+            </a:extLst>
+          </p:cNvPr>
+          <p:cNvSpPr txBox="1"/>
+          <p:nvPr/>
+        </p:nvSpPr>
+        <p:spPr>
+          <a:xfrm>
+            <a:off x="5032612" y="3317202"/>
+            <a:ext cx="2654316" cy="1384995"/>
+          </a:xfrm>
+          <a:prstGeom prst="rect">
+            <a:avLst/>
+          </a:prstGeom>
+          <a:ln w="19050">
+            <a:solidFill>
+              <a:schemeClr val="accent2"/>
+            </a:solidFill>
+          </a:ln>
+        </p:spPr>
+        <p:style>
+          <a:lnRef idx="2">
+            <a:schemeClr val="accent2"/>
+          </a:lnRef>
+          <a:fillRef idx="1">
+            <a:schemeClr val="lt1"/>
+          </a:fillRef>
+          <a:effectRef idx="0">
+            <a:schemeClr val="accent2"/>
+          </a:effectRef>
+          <a:fontRef idx="minor">
+            <a:schemeClr val="dk1"/>
+          </a:fontRef>
+        </p:style>
+        <p:txBody>
+          <a:bodyPr wrap="none" rtlCol="0">
+            <a:spAutoFit/>
+          </a:bodyPr>
+          <a:lstStyle/>
+          <a:p>
+            <a:r>
+              <a:rPr lang="en-GB" dirty="0"/>
+              <a:t>Function for each Element</a:t>
             </a:r>
           </a:p>
           <a:p>
@@ -3475,18 +3554,337 @@
               <a:buChar char="•"/>
             </a:pPr>
             <a:r>
-              <a:rPr lang="en-GB" sz="1200" dirty="0"/>
-              <a:t>Return: Data Frame</a:t>
+              <a:rPr lang="en-GB" sz="1100" dirty="0"/>
+              <a:t>Wall</a:t>
+            </a:r>
+          </a:p>
+          <a:p>
+            <a:pPr marL="285750" indent="-285750">
+              <a:buFont typeface="Arial" panose="020B0604020202020204" pitchFamily="34" charset="0"/>
+              <a:buChar char="•"/>
+            </a:pPr>
+            <a:r>
+              <a:rPr lang="en-GB" sz="1100" dirty="0"/>
+              <a:t>Window</a:t>
+            </a:r>
+          </a:p>
+          <a:p>
+            <a:pPr marL="285750" indent="-285750">
+              <a:buFont typeface="Arial" panose="020B0604020202020204" pitchFamily="34" charset="0"/>
+              <a:buChar char="•"/>
+            </a:pPr>
+            <a:r>
+              <a:rPr lang="en-GB" sz="1100" dirty="0"/>
+              <a:t>Floor</a:t>
+            </a:r>
+          </a:p>
+          <a:p>
+            <a:pPr marL="285750" indent="-285750">
+              <a:buFont typeface="Arial" panose="020B0604020202020204" pitchFamily="34" charset="0"/>
+              <a:buChar char="•"/>
+            </a:pPr>
+            <a:r>
+              <a:rPr lang="en-GB" sz="1100" dirty="0"/>
+              <a:t>Roof</a:t>
+            </a:r>
+          </a:p>
+          <a:p>
+            <a:pPr marL="285750" indent="-285750">
+              <a:buFont typeface="Arial" panose="020B0604020202020204" pitchFamily="34" charset="0"/>
+              <a:buChar char="•"/>
+            </a:pPr>
+            <a:r>
+              <a:rPr lang="en-GB" sz="1100" dirty="0"/>
+              <a:t>Door</a:t>
+            </a:r>
+          </a:p>
+          <a:p>
+            <a:pPr marL="285750" indent="-285750">
+              <a:buFont typeface="Arial" panose="020B0604020202020204" pitchFamily="34" charset="0"/>
+              <a:buChar char="•"/>
+            </a:pPr>
+            <a:r>
+              <a:rPr lang="en-GB" sz="1100" dirty="0"/>
+              <a:t>HVAC &amp; Heater</a:t>
+            </a:r>
+          </a:p>
+        </p:txBody>
+      </p:sp>
+      <p:sp>
+        <p:nvSpPr>
+          <p:cNvPr id="23" name="TextBox 22">
+            <a:extLst>
+              <a:ext uri="{FF2B5EF4-FFF2-40B4-BE49-F238E27FC236}">
+                <a16:creationId xmlns:a16="http://schemas.microsoft.com/office/drawing/2014/main" id="{255BF532-EF1B-426E-B7C1-1782ADB2CB0C}"/>
+              </a:ext>
+            </a:extLst>
+          </p:cNvPr>
+          <p:cNvSpPr txBox="1"/>
+          <p:nvPr/>
+        </p:nvSpPr>
+        <p:spPr>
+          <a:xfrm>
+            <a:off x="7573472" y="6109193"/>
+            <a:ext cx="999633" cy="369332"/>
+          </a:xfrm>
+          <a:prstGeom prst="rect">
+            <a:avLst/>
+          </a:prstGeom>
+          <a:ln w="19050">
+            <a:solidFill>
+              <a:schemeClr val="accent2"/>
+            </a:solidFill>
+          </a:ln>
+        </p:spPr>
+        <p:style>
+          <a:lnRef idx="2">
+            <a:schemeClr val="accent2"/>
+          </a:lnRef>
+          <a:fillRef idx="1">
+            <a:schemeClr val="lt1"/>
+          </a:fillRef>
+          <a:effectRef idx="0">
+            <a:schemeClr val="accent2"/>
+          </a:effectRef>
+          <a:fontRef idx="minor">
+            <a:schemeClr val="dk1"/>
+          </a:fontRef>
+        </p:style>
+        <p:txBody>
+          <a:bodyPr wrap="none" rtlCol="0">
+            <a:spAutoFit/>
+          </a:bodyPr>
+          <a:lstStyle/>
+          <a:p>
+            <a:r>
+              <a:rPr lang="en-GB" dirty="0"/>
+              <a:t>Weather</a:t>
+            </a:r>
+          </a:p>
+        </p:txBody>
+      </p:sp>
+      <p:sp>
+        <p:nvSpPr>
+          <p:cNvPr id="24" name="TextBox 23">
+            <a:extLst>
+              <a:ext uri="{FF2B5EF4-FFF2-40B4-BE49-F238E27FC236}">
+                <a16:creationId xmlns:a16="http://schemas.microsoft.com/office/drawing/2014/main" id="{25835EAE-B87B-4917-9762-5F3707F8E41F}"/>
+              </a:ext>
+            </a:extLst>
+          </p:cNvPr>
+          <p:cNvSpPr txBox="1"/>
+          <p:nvPr/>
+        </p:nvSpPr>
+        <p:spPr>
+          <a:xfrm>
+            <a:off x="5830849" y="2425056"/>
+            <a:ext cx="1075936" cy="369332"/>
+          </a:xfrm>
+          <a:prstGeom prst="rect">
+            <a:avLst/>
+          </a:prstGeom>
+          <a:ln w="19050">
+            <a:solidFill>
+              <a:schemeClr val="accent2"/>
+            </a:solidFill>
+          </a:ln>
+        </p:spPr>
+        <p:style>
+          <a:lnRef idx="2">
+            <a:schemeClr val="accent2"/>
+          </a:lnRef>
+          <a:fillRef idx="1">
+            <a:schemeClr val="lt1"/>
+          </a:fillRef>
+          <a:effectRef idx="0">
+            <a:schemeClr val="accent2"/>
+          </a:effectRef>
+          <a:fontRef idx="minor">
+            <a:schemeClr val="dk1"/>
+          </a:fontRef>
+        </p:style>
+        <p:txBody>
+          <a:bodyPr wrap="none" rtlCol="0">
+            <a:spAutoFit/>
+          </a:bodyPr>
+          <a:lstStyle/>
+          <a:p>
+            <a:r>
+              <a:rPr lang="en-GB" dirty="0"/>
+              <a:t>Assembly</a:t>
+            </a:r>
+          </a:p>
+        </p:txBody>
+      </p:sp>
+      <p:sp>
+        <p:nvSpPr>
+          <p:cNvPr id="25" name="TextBox 24">
+            <a:extLst>
+              <a:ext uri="{FF2B5EF4-FFF2-40B4-BE49-F238E27FC236}">
+                <a16:creationId xmlns:a16="http://schemas.microsoft.com/office/drawing/2014/main" id="{9C6F1282-F85E-4711-872D-211CC83AA074}"/>
+              </a:ext>
+            </a:extLst>
+          </p:cNvPr>
+          <p:cNvSpPr txBox="1"/>
+          <p:nvPr/>
+        </p:nvSpPr>
+        <p:spPr>
+          <a:xfrm>
+            <a:off x="7406070" y="5225705"/>
+            <a:ext cx="684803" cy="369332"/>
+          </a:xfrm>
+          <a:prstGeom prst="rect">
+            <a:avLst/>
+          </a:prstGeom>
+          <a:ln w="19050">
+            <a:solidFill>
+              <a:schemeClr val="accent2"/>
+            </a:solidFill>
+          </a:ln>
+        </p:spPr>
+        <p:style>
+          <a:lnRef idx="2">
+            <a:schemeClr val="accent2"/>
+          </a:lnRef>
+          <a:fillRef idx="1">
+            <a:schemeClr val="lt1"/>
+          </a:fillRef>
+          <a:effectRef idx="0">
+            <a:schemeClr val="accent2"/>
+          </a:effectRef>
+          <a:fontRef idx="minor">
+            <a:schemeClr val="dk1"/>
+          </a:fontRef>
+        </p:style>
+        <p:txBody>
+          <a:bodyPr wrap="square" rtlCol="0">
+            <a:spAutoFit/>
+          </a:bodyPr>
+          <a:lstStyle/>
+          <a:p>
+            <a:r>
+              <a:rPr lang="en-GB" dirty="0"/>
+              <a:t>Input</a:t>
+            </a:r>
+          </a:p>
+        </p:txBody>
+      </p:sp>
+      <p:sp>
+        <p:nvSpPr>
+          <p:cNvPr id="26" name="TextBox 25">
+            <a:extLst>
+              <a:ext uri="{FF2B5EF4-FFF2-40B4-BE49-F238E27FC236}">
+                <a16:creationId xmlns:a16="http://schemas.microsoft.com/office/drawing/2014/main" id="{B1EAB513-4A37-43F8-BCB3-0DE4F9ACE413}"/>
+              </a:ext>
+            </a:extLst>
+          </p:cNvPr>
+          <p:cNvSpPr txBox="1"/>
+          <p:nvPr/>
+        </p:nvSpPr>
+        <p:spPr>
+          <a:xfrm>
+            <a:off x="479413" y="6109193"/>
+            <a:ext cx="2580450" cy="369332"/>
+          </a:xfrm>
+          <a:prstGeom prst="rect">
+            <a:avLst/>
+          </a:prstGeom>
+          <a:ln w="19050">
+            <a:solidFill>
+              <a:schemeClr val="accent4">
+                <a:lumMod val="60000"/>
+                <a:lumOff val="40000"/>
+              </a:schemeClr>
+            </a:solidFill>
+          </a:ln>
+        </p:spPr>
+        <p:style>
+          <a:lnRef idx="2">
+            <a:schemeClr val="accent4"/>
+          </a:lnRef>
+          <a:fillRef idx="1">
+            <a:schemeClr val="lt1"/>
+          </a:fillRef>
+          <a:effectRef idx="0">
+            <a:schemeClr val="accent4"/>
+          </a:effectRef>
+          <a:fontRef idx="minor">
+            <a:schemeClr val="dk1"/>
+          </a:fontRef>
+        </p:style>
+        <p:txBody>
+          <a:bodyPr wrap="none" rtlCol="0">
+            <a:spAutoFit/>
+          </a:bodyPr>
+          <a:lstStyle/>
+          <a:p>
+            <a:r>
+              <a:rPr lang="en-GB" dirty="0">
+                <a:solidFill>
+                  <a:schemeClr val="tx1">
+                    <a:lumMod val="65000"/>
+                    <a:lumOff val="35000"/>
+                  </a:schemeClr>
+                </a:solidFill>
+              </a:rPr>
+              <a:t>Excel with measurements</a:t>
             </a:r>
           </a:p>
         </p:txBody>
       </p:sp>
       <p:cxnSp>
         <p:nvCxnSpPr>
-          <p:cNvPr id="12" name="Straight Arrow Connector 11">
-            <a:extLst>
-              <a:ext uri="{FF2B5EF4-FFF2-40B4-BE49-F238E27FC236}">
-                <a16:creationId xmlns:a16="http://schemas.microsoft.com/office/drawing/2014/main" id="{C78937F0-EBF7-4960-A1C8-37CA8522E544}"/>
+          <p:cNvPr id="27" name="Straight Arrow Connector 26">
+            <a:extLst>
+              <a:ext uri="{FF2B5EF4-FFF2-40B4-BE49-F238E27FC236}">
+                <a16:creationId xmlns:a16="http://schemas.microsoft.com/office/drawing/2014/main" id="{8E8C6770-0F00-4E91-B29E-8BBE3B1958D6}"/>
+              </a:ext>
+            </a:extLst>
+          </p:cNvPr>
+          <p:cNvCxnSpPr>
+            <a:cxnSpLocks/>
+          </p:cNvCxnSpPr>
+          <p:nvPr/>
+        </p:nvCxnSpPr>
+        <p:spPr>
+          <a:xfrm>
+            <a:off x="3165233" y="6293859"/>
+            <a:ext cx="246098" cy="0"/>
+          </a:xfrm>
+          <a:prstGeom prst="straightConnector1">
+            <a:avLst/>
+          </a:prstGeom>
+          <a:ln w="19050">
+            <a:solidFill>
+              <a:schemeClr val="accent4">
+                <a:lumMod val="60000"/>
+                <a:lumOff val="40000"/>
+              </a:schemeClr>
+            </a:solidFill>
+            <a:tailEnd type="triangle"/>
+          </a:ln>
+        </p:spPr>
+        <p:style>
+          <a:lnRef idx="1">
+            <a:schemeClr val="accent4"/>
+          </a:lnRef>
+          <a:fillRef idx="0">
+            <a:schemeClr val="accent4"/>
+          </a:fillRef>
+          <a:effectRef idx="0">
+            <a:schemeClr val="accent4"/>
+          </a:effectRef>
+          <a:fontRef idx="minor">
+            <a:schemeClr val="tx1"/>
+          </a:fontRef>
+        </p:style>
+      </p:cxnSp>
+      <p:cxnSp>
+        <p:nvCxnSpPr>
+          <p:cNvPr id="42" name="Straight Arrow Connector 41">
+            <a:extLst>
+              <a:ext uri="{FF2B5EF4-FFF2-40B4-BE49-F238E27FC236}">
+                <a16:creationId xmlns:a16="http://schemas.microsoft.com/office/drawing/2014/main" id="{9BCC7975-9665-4E17-8145-441922F5007B}"/>
               </a:ext>
             </a:extLst>
           </p:cNvPr>
@@ -3497,13 +3895,215 @@
         </p:nvCxnSpPr>
         <p:spPr>
           <a:xfrm flipV="1">
-            <a:off x="2527804" y="5085389"/>
-            <a:ext cx="351985" cy="383426"/>
+            <a:off x="6368817" y="1996615"/>
+            <a:ext cx="0" cy="352330"/>
           </a:xfrm>
           <a:prstGeom prst="straightConnector1">
             <a:avLst/>
           </a:prstGeom>
-          <a:ln>
+          <a:ln w="19050">
+            <a:solidFill>
+              <a:schemeClr val="accent2"/>
+            </a:solidFill>
+            <a:tailEnd type="triangle"/>
+          </a:ln>
+        </p:spPr>
+        <p:style>
+          <a:lnRef idx="1">
+            <a:schemeClr val="accent2"/>
+          </a:lnRef>
+          <a:fillRef idx="0">
+            <a:schemeClr val="accent2"/>
+          </a:fillRef>
+          <a:effectRef idx="0">
+            <a:schemeClr val="accent2"/>
+          </a:effectRef>
+          <a:fontRef idx="minor">
+            <a:schemeClr val="tx1"/>
+          </a:fontRef>
+        </p:style>
+      </p:cxnSp>
+      <p:sp>
+        <p:nvSpPr>
+          <p:cNvPr id="44" name="TextBox 43">
+            <a:extLst>
+              <a:ext uri="{FF2B5EF4-FFF2-40B4-BE49-F238E27FC236}">
+                <a16:creationId xmlns:a16="http://schemas.microsoft.com/office/drawing/2014/main" id="{117A72DE-F389-4502-8319-6C3A2B046CF4}"/>
+              </a:ext>
+            </a:extLst>
+          </p:cNvPr>
+          <p:cNvSpPr txBox="1"/>
+          <p:nvPr/>
+        </p:nvSpPr>
+        <p:spPr>
+          <a:xfrm>
+            <a:off x="5987462" y="1532216"/>
+            <a:ext cx="762709" cy="369332"/>
+          </a:xfrm>
+          <a:prstGeom prst="rect">
+            <a:avLst/>
+          </a:prstGeom>
+          <a:ln w="19050">
+            <a:solidFill>
+              <a:schemeClr val="accent2"/>
+            </a:solidFill>
+          </a:ln>
+        </p:spPr>
+        <p:style>
+          <a:lnRef idx="2">
+            <a:schemeClr val="accent2"/>
+          </a:lnRef>
+          <a:fillRef idx="1">
+            <a:schemeClr val="lt1"/>
+          </a:fillRef>
+          <a:effectRef idx="0">
+            <a:schemeClr val="accent2"/>
+          </a:effectRef>
+          <a:fontRef idx="minor">
+            <a:schemeClr val="dk1"/>
+          </a:fontRef>
+        </p:style>
+        <p:txBody>
+          <a:bodyPr wrap="none" rtlCol="0">
+            <a:spAutoFit/>
+          </a:bodyPr>
+          <a:lstStyle/>
+          <a:p>
+            <a:r>
+              <a:rPr lang="en-GB" dirty="0"/>
+              <a:t>Solver</a:t>
+            </a:r>
+          </a:p>
+        </p:txBody>
+      </p:sp>
+      <p:sp>
+        <p:nvSpPr>
+          <p:cNvPr id="45" name="TextBox 44">
+            <a:extLst>
+              <a:ext uri="{FF2B5EF4-FFF2-40B4-BE49-F238E27FC236}">
+                <a16:creationId xmlns:a16="http://schemas.microsoft.com/office/drawing/2014/main" id="{C7B19C3C-8743-40AA-BF07-1671582B0500}"/>
+              </a:ext>
+            </a:extLst>
+          </p:cNvPr>
+          <p:cNvSpPr txBox="1"/>
+          <p:nvPr/>
+        </p:nvSpPr>
+        <p:spPr>
+          <a:xfrm>
+            <a:off x="6091336" y="639376"/>
+            <a:ext cx="554960" cy="369332"/>
+          </a:xfrm>
+          <a:prstGeom prst="rect">
+            <a:avLst/>
+          </a:prstGeom>
+          <a:ln w="19050">
+            <a:solidFill>
+              <a:schemeClr val="accent2"/>
+            </a:solidFill>
+          </a:ln>
+        </p:spPr>
+        <p:style>
+          <a:lnRef idx="2">
+            <a:schemeClr val="accent2"/>
+          </a:lnRef>
+          <a:fillRef idx="1">
+            <a:schemeClr val="lt1"/>
+          </a:fillRef>
+          <a:effectRef idx="0">
+            <a:schemeClr val="accent2"/>
+          </a:effectRef>
+          <a:fontRef idx="minor">
+            <a:schemeClr val="dk1"/>
+          </a:fontRef>
+        </p:style>
+        <p:txBody>
+          <a:bodyPr wrap="none" rtlCol="0">
+            <a:spAutoFit/>
+          </a:bodyPr>
+          <a:lstStyle/>
+          <a:p>
+            <a:r>
+              <a:rPr lang="en-GB" dirty="0"/>
+              <a:t>Plot</a:t>
+            </a:r>
+          </a:p>
+        </p:txBody>
+      </p:sp>
+      <p:sp>
+        <p:nvSpPr>
+          <p:cNvPr id="54" name="TextBox 53">
+            <a:extLst>
+              <a:ext uri="{FF2B5EF4-FFF2-40B4-BE49-F238E27FC236}">
+                <a16:creationId xmlns:a16="http://schemas.microsoft.com/office/drawing/2014/main" id="{EFB5A6BC-AB3A-42E1-8BC4-7C716164A74A}"/>
+              </a:ext>
+            </a:extLst>
+          </p:cNvPr>
+          <p:cNvSpPr txBox="1"/>
+          <p:nvPr/>
+        </p:nvSpPr>
+        <p:spPr>
+          <a:xfrm>
+            <a:off x="1355902" y="639376"/>
+            <a:ext cx="827471" cy="369332"/>
+          </a:xfrm>
+          <a:prstGeom prst="rect">
+            <a:avLst/>
+          </a:prstGeom>
+          <a:ln w="19050"/>
+        </p:spPr>
+        <p:style>
+          <a:lnRef idx="2">
+            <a:schemeClr val="accent2"/>
+          </a:lnRef>
+          <a:fillRef idx="1">
+            <a:schemeClr val="lt1"/>
+          </a:fillRef>
+          <a:effectRef idx="0">
+            <a:schemeClr val="accent2"/>
+          </a:effectRef>
+          <a:fontRef idx="minor">
+            <a:schemeClr val="dk1"/>
+          </a:fontRef>
+        </p:style>
+        <p:txBody>
+          <a:bodyPr wrap="none" rtlCol="0">
+            <a:spAutoFit/>
+          </a:bodyPr>
+          <a:lstStyle/>
+          <a:p>
+            <a:r>
+              <a:rPr lang="en-GB" dirty="0"/>
+              <a:t>Import</a:t>
+            </a:r>
+          </a:p>
+        </p:txBody>
+      </p:sp>
+      <p:cxnSp>
+        <p:nvCxnSpPr>
+          <p:cNvPr id="34" name="Straight Arrow Connector 33">
+            <a:extLst>
+              <a:ext uri="{FF2B5EF4-FFF2-40B4-BE49-F238E27FC236}">
+                <a16:creationId xmlns:a16="http://schemas.microsoft.com/office/drawing/2014/main" id="{8639530E-1E59-4D51-8F28-2FC1739037CA}"/>
+              </a:ext>
+            </a:extLst>
+          </p:cNvPr>
+          <p:cNvCxnSpPr>
+            <a:cxnSpLocks/>
+          </p:cNvCxnSpPr>
+          <p:nvPr/>
+        </p:nvCxnSpPr>
+        <p:spPr>
+          <a:xfrm flipV="1">
+            <a:off x="4700881" y="5677683"/>
+            <a:ext cx="172655" cy="350128"/>
+          </a:xfrm>
+          <a:prstGeom prst="straightConnector1">
+            <a:avLst/>
+          </a:prstGeom>
+          <a:ln w="19050">
+            <a:solidFill>
+              <a:schemeClr val="accent2"/>
+            </a:solidFill>
             <a:tailEnd type="triangle"/>
           </a:ln>
         </p:spPr>
@@ -3524,10 +4124,10 @@
       </p:cxnSp>
       <p:cxnSp>
         <p:nvCxnSpPr>
-          <p:cNvPr id="16" name="Straight Arrow Connector 15">
-            <a:extLst>
-              <a:ext uri="{FF2B5EF4-FFF2-40B4-BE49-F238E27FC236}">
-                <a16:creationId xmlns:a16="http://schemas.microsoft.com/office/drawing/2014/main" id="{1876615C-322A-4916-823A-94D691DF5F4E}"/>
+          <p:cNvPr id="35" name="Straight Arrow Connector 34">
+            <a:extLst>
+              <a:ext uri="{FF2B5EF4-FFF2-40B4-BE49-F238E27FC236}">
+                <a16:creationId xmlns:a16="http://schemas.microsoft.com/office/drawing/2014/main" id="{38DB2FA9-021B-49BA-958F-5887CF13CF37}"/>
               </a:ext>
             </a:extLst>
           </p:cNvPr>
@@ -3537,402 +4137,17 @@
           <p:nvPr/>
         </p:nvCxnSpPr>
         <p:spPr>
-          <a:xfrm flipH="1" flipV="1">
-            <a:off x="9468734" y="1367836"/>
-            <a:ext cx="710833" cy="2913194"/>
+          <a:xfrm flipV="1">
+            <a:off x="5076572" y="4788822"/>
+            <a:ext cx="183678" cy="352293"/>
           </a:xfrm>
           <a:prstGeom prst="straightConnector1">
             <a:avLst/>
           </a:prstGeom>
-          <a:ln>
-            <a:tailEnd type="triangle"/>
-          </a:ln>
-        </p:spPr>
-        <p:style>
-          <a:lnRef idx="1">
-            <a:schemeClr val="accent2"/>
-          </a:lnRef>
-          <a:fillRef idx="0">
-            <a:schemeClr val="accent2"/>
-          </a:fillRef>
-          <a:effectRef idx="0">
-            <a:schemeClr val="accent2"/>
-          </a:effectRef>
-          <a:fontRef idx="minor">
-            <a:schemeClr val="tx1"/>
-          </a:fontRef>
-        </p:style>
-      </p:cxnSp>
-      <p:sp>
-        <p:nvSpPr>
-          <p:cNvPr id="18" name="TextBox 17">
-            <a:extLst>
-              <a:ext uri="{FF2B5EF4-FFF2-40B4-BE49-F238E27FC236}">
-                <a16:creationId xmlns:a16="http://schemas.microsoft.com/office/drawing/2014/main" id="{F4B6A1EC-2E96-48C1-B656-65BD72B018B8}"/>
-              </a:ext>
-            </a:extLst>
-          </p:cNvPr>
-          <p:cNvSpPr txBox="1"/>
-          <p:nvPr/>
-        </p:nvSpPr>
-        <p:spPr>
-          <a:xfrm>
-            <a:off x="4413146" y="2471635"/>
-            <a:ext cx="3503908" cy="1384995"/>
-          </a:xfrm>
-          <a:prstGeom prst="rect">
-            <a:avLst/>
-          </a:prstGeom>
-        </p:spPr>
-        <p:style>
-          <a:lnRef idx="2">
-            <a:schemeClr val="accent2"/>
-          </a:lnRef>
-          <a:fillRef idx="1">
-            <a:schemeClr val="lt1"/>
-          </a:fillRef>
-          <a:effectRef idx="0">
-            <a:schemeClr val="accent2"/>
-          </a:effectRef>
-          <a:fontRef idx="minor">
-            <a:schemeClr val="dk1"/>
-          </a:fontRef>
-        </p:style>
-        <p:txBody>
-          <a:bodyPr wrap="none" rtlCol="0">
-            <a:spAutoFit/>
-          </a:bodyPr>
-          <a:lstStyle/>
-          <a:p>
-            <a:r>
-              <a:rPr lang="de-DE" dirty="0" err="1"/>
-              <a:t>Function</a:t>
-            </a:r>
-            <a:r>
-              <a:rPr lang="de-DE" dirty="0"/>
-              <a:t> </a:t>
-            </a:r>
-            <a:r>
-              <a:rPr lang="de-DE" dirty="0" err="1"/>
-              <a:t>for</a:t>
-            </a:r>
-            <a:r>
-              <a:rPr lang="de-DE" dirty="0"/>
-              <a:t> </a:t>
-            </a:r>
-            <a:r>
-              <a:rPr lang="de-DE" dirty="0" err="1"/>
-              <a:t>each</a:t>
-            </a:r>
-            <a:r>
-              <a:rPr lang="de-DE" dirty="0"/>
-              <a:t> E</a:t>
-            </a:r>
-            <a:r>
-              <a:rPr lang="en-GB" dirty="0" err="1"/>
-              <a:t>lement</a:t>
-            </a:r>
-            <a:r>
-              <a:rPr lang="en-GB" dirty="0"/>
-              <a:t> [71-180]</a:t>
-            </a:r>
-          </a:p>
-          <a:p>
-            <a:pPr marL="285750" indent="-285750">
-              <a:buFont typeface="Arial" panose="020B0604020202020204" pitchFamily="34" charset="0"/>
-              <a:buChar char="•"/>
-            </a:pPr>
-            <a:r>
-              <a:rPr lang="en-GB" sz="1100" dirty="0"/>
-              <a:t>Wall</a:t>
-            </a:r>
-          </a:p>
-          <a:p>
-            <a:pPr marL="285750" indent="-285750">
-              <a:buFont typeface="Arial" panose="020B0604020202020204" pitchFamily="34" charset="0"/>
-              <a:buChar char="•"/>
-            </a:pPr>
-            <a:r>
-              <a:rPr lang="en-GB" sz="1100" dirty="0"/>
-              <a:t>Window</a:t>
-            </a:r>
-          </a:p>
-          <a:p>
-            <a:pPr marL="285750" indent="-285750">
-              <a:buFont typeface="Arial" panose="020B0604020202020204" pitchFamily="34" charset="0"/>
-              <a:buChar char="•"/>
-            </a:pPr>
-            <a:r>
-              <a:rPr lang="en-GB" sz="1100" dirty="0"/>
-              <a:t>Floor</a:t>
-            </a:r>
-          </a:p>
-          <a:p>
-            <a:pPr marL="285750" indent="-285750">
-              <a:buFont typeface="Arial" panose="020B0604020202020204" pitchFamily="34" charset="0"/>
-              <a:buChar char="•"/>
-            </a:pPr>
-            <a:r>
-              <a:rPr lang="en-GB" sz="1100" dirty="0"/>
-              <a:t>Roof</a:t>
-            </a:r>
-          </a:p>
-          <a:p>
-            <a:pPr marL="285750" indent="-285750">
-              <a:buFont typeface="Arial" panose="020B0604020202020204" pitchFamily="34" charset="0"/>
-              <a:buChar char="•"/>
-            </a:pPr>
-            <a:r>
-              <a:rPr lang="en-GB" sz="1100" dirty="0"/>
-              <a:t>Door</a:t>
-            </a:r>
-          </a:p>
-          <a:p>
-            <a:pPr marL="285750" indent="-285750">
-              <a:buFont typeface="Arial" panose="020B0604020202020204" pitchFamily="34" charset="0"/>
-              <a:buChar char="•"/>
-            </a:pPr>
-            <a:r>
-              <a:rPr lang="en-GB" sz="1100" dirty="0"/>
-              <a:t>HVAC &amp; Heater</a:t>
-            </a:r>
-          </a:p>
-        </p:txBody>
-      </p:sp>
-      <p:sp>
-        <p:nvSpPr>
-          <p:cNvPr id="23" name="TextBox 22">
-            <a:extLst>
-              <a:ext uri="{FF2B5EF4-FFF2-40B4-BE49-F238E27FC236}">
-                <a16:creationId xmlns:a16="http://schemas.microsoft.com/office/drawing/2014/main" id="{255BF532-EF1B-426E-B7C1-1782ADB2CB0C}"/>
-              </a:ext>
-            </a:extLst>
-          </p:cNvPr>
-          <p:cNvSpPr txBox="1"/>
-          <p:nvPr/>
-        </p:nvSpPr>
-        <p:spPr>
-          <a:xfrm>
-            <a:off x="9664196" y="4569037"/>
-            <a:ext cx="1966244" cy="369332"/>
-          </a:xfrm>
-          <a:prstGeom prst="rect">
-            <a:avLst/>
-          </a:prstGeom>
-        </p:spPr>
-        <p:style>
-          <a:lnRef idx="2">
-            <a:schemeClr val="accent2"/>
-          </a:lnRef>
-          <a:fillRef idx="1">
-            <a:schemeClr val="lt1"/>
-          </a:fillRef>
-          <a:effectRef idx="0">
-            <a:schemeClr val="accent2"/>
-          </a:effectRef>
-          <a:fontRef idx="minor">
-            <a:schemeClr val="dk1"/>
-          </a:fontRef>
-        </p:style>
-        <p:txBody>
-          <a:bodyPr wrap="none" rtlCol="0">
-            <a:spAutoFit/>
-          </a:bodyPr>
-          <a:lstStyle/>
-          <a:p>
-            <a:r>
-              <a:rPr lang="en-GB" dirty="0"/>
-              <a:t>Weather [222-235]</a:t>
-            </a:r>
-          </a:p>
-        </p:txBody>
-      </p:sp>
-      <p:sp>
-        <p:nvSpPr>
-          <p:cNvPr id="24" name="TextBox 23">
-            <a:extLst>
-              <a:ext uri="{FF2B5EF4-FFF2-40B4-BE49-F238E27FC236}">
-                <a16:creationId xmlns:a16="http://schemas.microsoft.com/office/drawing/2014/main" id="{25835EAE-B87B-4917-9762-5F3707F8E41F}"/>
-              </a:ext>
-            </a:extLst>
-          </p:cNvPr>
-          <p:cNvSpPr txBox="1"/>
-          <p:nvPr/>
-        </p:nvSpPr>
-        <p:spPr>
-          <a:xfrm>
-            <a:off x="7220905" y="1695352"/>
-            <a:ext cx="2042547" cy="369332"/>
-          </a:xfrm>
-          <a:prstGeom prst="rect">
-            <a:avLst/>
-          </a:prstGeom>
-        </p:spPr>
-        <p:style>
-          <a:lnRef idx="2">
-            <a:schemeClr val="accent2"/>
-          </a:lnRef>
-          <a:fillRef idx="1">
-            <a:schemeClr val="lt1"/>
-          </a:fillRef>
-          <a:effectRef idx="0">
-            <a:schemeClr val="accent2"/>
-          </a:effectRef>
-          <a:fontRef idx="minor">
-            <a:schemeClr val="dk1"/>
-          </a:fontRef>
-        </p:style>
-        <p:txBody>
-          <a:bodyPr wrap="none" rtlCol="0">
-            <a:spAutoFit/>
-          </a:bodyPr>
-          <a:lstStyle/>
-          <a:p>
-            <a:r>
-              <a:rPr lang="en-GB" dirty="0"/>
-              <a:t>Assembly [166-180]</a:t>
-            </a:r>
-          </a:p>
-        </p:txBody>
-      </p:sp>
-      <p:sp>
-        <p:nvSpPr>
-          <p:cNvPr id="25" name="TextBox 24">
-            <a:extLst>
-              <a:ext uri="{FF2B5EF4-FFF2-40B4-BE49-F238E27FC236}">
-                <a16:creationId xmlns:a16="http://schemas.microsoft.com/office/drawing/2014/main" id="{9C6F1282-F85E-4711-872D-211CC83AA074}"/>
-              </a:ext>
-            </a:extLst>
-          </p:cNvPr>
-          <p:cNvSpPr txBox="1"/>
-          <p:nvPr/>
-        </p:nvSpPr>
-        <p:spPr>
-          <a:xfrm>
-            <a:off x="7301243" y="4549029"/>
-            <a:ext cx="1470274" cy="646331"/>
-          </a:xfrm>
-          <a:prstGeom prst="rect">
-            <a:avLst/>
-          </a:prstGeom>
-        </p:spPr>
-        <p:style>
-          <a:lnRef idx="2">
-            <a:schemeClr val="accent2"/>
-          </a:lnRef>
-          <a:fillRef idx="1">
-            <a:schemeClr val="lt1"/>
-          </a:fillRef>
-          <a:effectRef idx="0">
-            <a:schemeClr val="accent2"/>
-          </a:effectRef>
-          <a:fontRef idx="minor">
-            <a:schemeClr val="dk1"/>
-          </a:fontRef>
-        </p:style>
-        <p:txBody>
-          <a:bodyPr wrap="none" rtlCol="0">
-            <a:spAutoFit/>
-          </a:bodyPr>
-          <a:lstStyle/>
-          <a:p>
-            <a:r>
-              <a:rPr lang="en-GB" dirty="0"/>
-              <a:t>Input [ 17-21]</a:t>
-            </a:r>
-          </a:p>
-          <a:p>
-            <a:pPr marL="285750" indent="-285750">
-              <a:buFont typeface="Arial" panose="020B0604020202020204" pitchFamily="34" charset="0"/>
-              <a:buChar char="•"/>
-            </a:pPr>
-            <a:r>
-              <a:rPr lang="en-GB" sz="1400" dirty="0"/>
-              <a:t>set</a:t>
-            </a:r>
-            <a:r>
-              <a:rPr lang="en-GB" dirty="0"/>
-              <a:t> </a:t>
-            </a:r>
-            <a:r>
-              <a:rPr lang="en-GB" sz="1400" dirty="0"/>
-              <a:t>points</a:t>
-            </a:r>
-            <a:endParaRPr lang="en-GB" dirty="0"/>
-          </a:p>
-        </p:txBody>
-      </p:sp>
-      <p:sp>
-        <p:nvSpPr>
-          <p:cNvPr id="26" name="TextBox 25">
-            <a:extLst>
-              <a:ext uri="{FF2B5EF4-FFF2-40B4-BE49-F238E27FC236}">
-                <a16:creationId xmlns:a16="http://schemas.microsoft.com/office/drawing/2014/main" id="{B1EAB513-4A37-43F8-BCB3-0DE4F9ACE413}"/>
-              </a:ext>
-            </a:extLst>
-          </p:cNvPr>
-          <p:cNvSpPr txBox="1"/>
-          <p:nvPr/>
-        </p:nvSpPr>
-        <p:spPr>
-          <a:xfrm>
-            <a:off x="4890759" y="5782860"/>
-            <a:ext cx="2580450" cy="369332"/>
-          </a:xfrm>
-          <a:prstGeom prst="rect">
-            <a:avLst/>
-          </a:prstGeom>
-        </p:spPr>
-        <p:style>
-          <a:lnRef idx="2">
-            <a:schemeClr val="accent2"/>
-          </a:lnRef>
-          <a:fillRef idx="1">
-            <a:schemeClr val="lt1"/>
-          </a:fillRef>
-          <a:effectRef idx="0">
-            <a:schemeClr val="accent2"/>
-          </a:effectRef>
-          <a:fontRef idx="minor">
-            <a:schemeClr val="dk1"/>
-          </a:fontRef>
-        </p:style>
-        <p:txBody>
-          <a:bodyPr wrap="none" rtlCol="0">
-            <a:spAutoFit/>
-          </a:bodyPr>
-          <a:lstStyle/>
-          <a:p>
-            <a:r>
-              <a:rPr lang="en-GB" dirty="0"/>
-              <a:t>Excel with measurements</a:t>
-            </a:r>
-          </a:p>
-        </p:txBody>
-      </p:sp>
-      <p:cxnSp>
-        <p:nvCxnSpPr>
-          <p:cNvPr id="27" name="Straight Arrow Connector 26">
-            <a:extLst>
-              <a:ext uri="{FF2B5EF4-FFF2-40B4-BE49-F238E27FC236}">
-                <a16:creationId xmlns:a16="http://schemas.microsoft.com/office/drawing/2014/main" id="{8E8C6770-0F00-4E91-B29E-8BBE3B1958D6}"/>
-              </a:ext>
-            </a:extLst>
-          </p:cNvPr>
-          <p:cNvCxnSpPr>
-            <a:cxnSpLocks/>
-          </p:cNvCxnSpPr>
-          <p:nvPr/>
-        </p:nvCxnSpPr>
-        <p:spPr>
-          <a:xfrm flipH="1" flipV="1">
-            <a:off x="4673880" y="5085389"/>
-            <a:ext cx="485537" cy="577785"/>
-          </a:xfrm>
-          <a:prstGeom prst="straightConnector1">
-            <a:avLst/>
-          </a:prstGeom>
-          <a:ln>
+          <a:ln w="19050">
+            <a:solidFill>
+              <a:schemeClr val="accent2"/>
+            </a:solidFill>
             <a:tailEnd type="triangle"/>
           </a:ln>
         </p:spPr>
@@ -3953,10 +4168,10 @@
       </p:cxnSp>
       <p:cxnSp>
         <p:nvCxnSpPr>
-          <p:cNvPr id="32" name="Straight Arrow Connector 31">
-            <a:extLst>
-              <a:ext uri="{FF2B5EF4-FFF2-40B4-BE49-F238E27FC236}">
-                <a16:creationId xmlns:a16="http://schemas.microsoft.com/office/drawing/2014/main" id="{6491D92C-98ED-4FB7-8D6A-E7F21E13DC06}"/>
+          <p:cNvPr id="36" name="Straight Arrow Connector 35">
+            <a:extLst>
+              <a:ext uri="{FF2B5EF4-FFF2-40B4-BE49-F238E27FC236}">
+                <a16:creationId xmlns:a16="http://schemas.microsoft.com/office/drawing/2014/main" id="{F247310E-DA07-4514-A607-349907B55170}"/>
               </a:ext>
             </a:extLst>
           </p:cNvPr>
@@ -3966,14 +4181,17 @@
           <p:nvPr/>
         </p:nvCxnSpPr>
         <p:spPr>
-          <a:xfrm flipV="1">
-            <a:off x="4631586" y="3947392"/>
-            <a:ext cx="351985" cy="383426"/>
+          <a:xfrm flipH="1" flipV="1">
+            <a:off x="7455369" y="4789723"/>
+            <a:ext cx="187598" cy="351392"/>
           </a:xfrm>
           <a:prstGeom prst="straightConnector1">
             <a:avLst/>
           </a:prstGeom>
-          <a:ln>
+          <a:ln w="19050">
+            <a:solidFill>
+              <a:schemeClr val="accent2"/>
+            </a:solidFill>
             <a:tailEnd type="triangle"/>
           </a:ln>
         </p:spPr>
@@ -3994,10 +4212,10 @@
       </p:cxnSp>
       <p:cxnSp>
         <p:nvCxnSpPr>
-          <p:cNvPr id="33" name="Straight Arrow Connector 32">
-            <a:extLst>
-              <a:ext uri="{FF2B5EF4-FFF2-40B4-BE49-F238E27FC236}">
-                <a16:creationId xmlns:a16="http://schemas.microsoft.com/office/drawing/2014/main" id="{908D47E7-333F-406E-A4FB-635703FB8BE7}"/>
+          <p:cNvPr id="41" name="Straight Arrow Connector 40">
+            <a:extLst>
+              <a:ext uri="{FF2B5EF4-FFF2-40B4-BE49-F238E27FC236}">
+                <a16:creationId xmlns:a16="http://schemas.microsoft.com/office/drawing/2014/main" id="{74DC3DEA-5980-4233-9FD2-9ADCA0CA37D7}"/>
               </a:ext>
             </a:extLst>
           </p:cNvPr>
@@ -4008,13 +4226,16 @@
         </p:nvCxnSpPr>
         <p:spPr>
           <a:xfrm flipH="1" flipV="1">
-            <a:off x="6735368" y="3882412"/>
-            <a:ext cx="485537" cy="577785"/>
+            <a:off x="7853204" y="5676419"/>
+            <a:ext cx="187598" cy="351392"/>
           </a:xfrm>
           <a:prstGeom prst="straightConnector1">
             <a:avLst/>
           </a:prstGeom>
-          <a:ln>
+          <a:ln w="19050">
+            <a:solidFill>
+              <a:schemeClr val="accent2"/>
+            </a:solidFill>
             <a:tailEnd type="triangle"/>
           </a:ln>
         </p:spPr>
@@ -4035,10 +4256,10 @@
       </p:cxnSp>
       <p:cxnSp>
         <p:nvCxnSpPr>
-          <p:cNvPr id="40" name="Straight Arrow Connector 39">
-            <a:extLst>
-              <a:ext uri="{FF2B5EF4-FFF2-40B4-BE49-F238E27FC236}">
-                <a16:creationId xmlns:a16="http://schemas.microsoft.com/office/drawing/2014/main" id="{46F55291-B457-44E2-8C22-3751870002B0}"/>
+          <p:cNvPr id="47" name="Straight Arrow Connector 46">
+            <a:extLst>
+              <a:ext uri="{FF2B5EF4-FFF2-40B4-BE49-F238E27FC236}">
+                <a16:creationId xmlns:a16="http://schemas.microsoft.com/office/drawing/2014/main" id="{ED445057-C1AC-47B3-B546-7954DBB72A30}"/>
               </a:ext>
             </a:extLst>
           </p:cNvPr>
@@ -4049,13 +4270,170 @@
         </p:nvCxnSpPr>
         <p:spPr>
           <a:xfrm flipV="1">
-            <a:off x="6278539" y="1859085"/>
-            <a:ext cx="708390" cy="417490"/>
+            <a:off x="6368816" y="1079010"/>
+            <a:ext cx="0" cy="352330"/>
           </a:xfrm>
           <a:prstGeom prst="straightConnector1">
             <a:avLst/>
           </a:prstGeom>
-          <a:ln>
+          <a:ln w="19050">
+            <a:solidFill>
+              <a:schemeClr val="accent2"/>
+            </a:solidFill>
+            <a:tailEnd type="triangle"/>
+          </a:ln>
+        </p:spPr>
+        <p:style>
+          <a:lnRef idx="1">
+            <a:schemeClr val="accent2"/>
+          </a:lnRef>
+          <a:fillRef idx="0">
+            <a:schemeClr val="accent2"/>
+          </a:fillRef>
+          <a:effectRef idx="0">
+            <a:schemeClr val="accent2"/>
+          </a:effectRef>
+          <a:fontRef idx="minor">
+            <a:schemeClr val="tx1"/>
+          </a:fontRef>
+        </p:style>
+      </p:cxnSp>
+      <p:sp>
+        <p:nvSpPr>
+          <p:cNvPr id="49" name="TextBox 48">
+            <a:extLst>
+              <a:ext uri="{FF2B5EF4-FFF2-40B4-BE49-F238E27FC236}">
+                <a16:creationId xmlns:a16="http://schemas.microsoft.com/office/drawing/2014/main" id="{4A8B373B-6AF0-4151-B02C-D69E18FE3BA2}"/>
+              </a:ext>
+            </a:extLst>
+          </p:cNvPr>
+          <p:cNvSpPr txBox="1"/>
+          <p:nvPr/>
+        </p:nvSpPr>
+        <p:spPr>
+          <a:xfrm>
+            <a:off x="9006504" y="6110457"/>
+            <a:ext cx="1885966" cy="369332"/>
+          </a:xfrm>
+          <a:prstGeom prst="rect">
+            <a:avLst/>
+          </a:prstGeom>
+          <a:ln w="19050">
+            <a:solidFill>
+              <a:schemeClr val="accent4">
+                <a:lumMod val="60000"/>
+                <a:lumOff val="40000"/>
+              </a:schemeClr>
+            </a:solidFill>
+          </a:ln>
+        </p:spPr>
+        <p:style>
+          <a:lnRef idx="2">
+            <a:schemeClr val="accent4"/>
+          </a:lnRef>
+          <a:fillRef idx="1">
+            <a:schemeClr val="lt1"/>
+          </a:fillRef>
+          <a:effectRef idx="0">
+            <a:schemeClr val="accent4"/>
+          </a:effectRef>
+          <a:fontRef idx="minor">
+            <a:schemeClr val="dk1"/>
+          </a:fontRef>
+        </p:style>
+        <p:txBody>
+          <a:bodyPr wrap="none" rtlCol="0">
+            <a:spAutoFit/>
+          </a:bodyPr>
+          <a:lstStyle/>
+          <a:p>
+            <a:r>
+              <a:rPr lang="en-GB" dirty="0">
+                <a:solidFill>
+                  <a:schemeClr val="tx1">
+                    <a:lumMod val="65000"/>
+                    <a:lumOff val="35000"/>
+                  </a:schemeClr>
+                </a:solidFill>
+              </a:rPr>
+              <a:t>Raw weather data</a:t>
+            </a:r>
+          </a:p>
+        </p:txBody>
+      </p:sp>
+      <p:cxnSp>
+        <p:nvCxnSpPr>
+          <p:cNvPr id="50" name="Straight Arrow Connector 49">
+            <a:extLst>
+              <a:ext uri="{FF2B5EF4-FFF2-40B4-BE49-F238E27FC236}">
+                <a16:creationId xmlns:a16="http://schemas.microsoft.com/office/drawing/2014/main" id="{D1AD6223-B4AD-41B2-ACA1-FD38D9C3EA3F}"/>
+              </a:ext>
+            </a:extLst>
+          </p:cNvPr>
+          <p:cNvCxnSpPr>
+            <a:cxnSpLocks/>
+          </p:cNvCxnSpPr>
+          <p:nvPr/>
+        </p:nvCxnSpPr>
+        <p:spPr>
+          <a:xfrm flipH="1" flipV="1">
+            <a:off x="8688207" y="6293859"/>
+            <a:ext cx="228164" cy="1"/>
+          </a:xfrm>
+          <a:prstGeom prst="straightConnector1">
+            <a:avLst/>
+          </a:prstGeom>
+          <a:ln w="19050">
+            <a:solidFill>
+              <a:schemeClr val="accent4">
+                <a:lumMod val="60000"/>
+                <a:lumOff val="40000"/>
+              </a:schemeClr>
+            </a:solidFill>
+            <a:tailEnd type="triangle"/>
+          </a:ln>
+        </p:spPr>
+        <p:style>
+          <a:lnRef idx="1">
+            <a:schemeClr val="accent4"/>
+          </a:lnRef>
+          <a:fillRef idx="0">
+            <a:schemeClr val="accent4"/>
+          </a:fillRef>
+          <a:effectRef idx="0">
+            <a:schemeClr val="accent4"/>
+          </a:effectRef>
+          <a:fontRef idx="minor">
+            <a:schemeClr val="tx1"/>
+          </a:fontRef>
+        </p:style>
+      </p:cxnSp>
+      <p:cxnSp>
+        <p:nvCxnSpPr>
+          <p:cNvPr id="55" name="Straight Arrow Connector 54">
+            <a:extLst>
+              <a:ext uri="{FF2B5EF4-FFF2-40B4-BE49-F238E27FC236}">
+                <a16:creationId xmlns:a16="http://schemas.microsoft.com/office/drawing/2014/main" id="{4DB75890-A0E9-42AC-AEF6-53BA20E2A6E9}"/>
+              </a:ext>
+            </a:extLst>
+          </p:cNvPr>
+          <p:cNvCxnSpPr>
+            <a:cxnSpLocks/>
+          </p:cNvCxnSpPr>
+          <p:nvPr/>
+        </p:nvCxnSpPr>
+        <p:spPr>
+          <a:xfrm flipV="1">
+            <a:off x="6368817" y="2880030"/>
+            <a:ext cx="0" cy="352330"/>
+          </a:xfrm>
+          <a:prstGeom prst="straightConnector1">
+            <a:avLst/>
+          </a:prstGeom>
+          <a:ln w="19050">
+            <a:solidFill>
+              <a:schemeClr val="accent2"/>
+            </a:solidFill>
             <a:tailEnd type="triangle"/>
           </a:ln>
         </p:spPr>
@@ -4076,10 +4454,10 @@
       </p:cxnSp>
       <p:cxnSp>
         <p:nvCxnSpPr>
-          <p:cNvPr id="42" name="Straight Arrow Connector 41">
-            <a:extLst>
-              <a:ext uri="{FF2B5EF4-FFF2-40B4-BE49-F238E27FC236}">
-                <a16:creationId xmlns:a16="http://schemas.microsoft.com/office/drawing/2014/main" id="{9BCC7975-9665-4E17-8145-441922F5007B}"/>
+          <p:cNvPr id="60" name="Straight Connector 59">
+            <a:extLst>
+              <a:ext uri="{FF2B5EF4-FFF2-40B4-BE49-F238E27FC236}">
+                <a16:creationId xmlns:a16="http://schemas.microsoft.com/office/drawing/2014/main" id="{3334CF06-46A2-4747-93C2-13AD49E652CB}"/>
               </a:ext>
             </a:extLst>
           </p:cNvPr>
@@ -4090,14 +4468,16 @@
         </p:nvCxnSpPr>
         <p:spPr>
           <a:xfrm flipV="1">
-            <a:off x="7744740" y="1263103"/>
-            <a:ext cx="1" cy="303138"/>
+            <a:off x="8414240" y="1716882"/>
+            <a:ext cx="0" cy="4310929"/>
           </a:xfrm>
-          <a:prstGeom prst="straightConnector1">
+          <a:prstGeom prst="line">
             <a:avLst/>
           </a:prstGeom>
-          <a:ln>
-            <a:tailEnd type="triangle"/>
+          <a:ln w="19050">
+            <a:solidFill>
+              <a:schemeClr val="accent2"/>
+            </a:solidFill>
           </a:ln>
         </p:spPr>
         <p:style>
@@ -4115,232 +4495,6 @@
           </a:fontRef>
         </p:style>
       </p:cxnSp>
-      <p:sp>
-        <p:nvSpPr>
-          <p:cNvPr id="44" name="TextBox 43">
-            <a:extLst>
-              <a:ext uri="{FF2B5EF4-FFF2-40B4-BE49-F238E27FC236}">
-                <a16:creationId xmlns:a16="http://schemas.microsoft.com/office/drawing/2014/main" id="{117A72DE-F389-4502-8319-6C3A2B046CF4}"/>
-              </a:ext>
-            </a:extLst>
-          </p:cNvPr>
-          <p:cNvSpPr txBox="1"/>
-          <p:nvPr/>
-        </p:nvSpPr>
-        <p:spPr>
-          <a:xfrm>
-            <a:off x="7363385" y="736209"/>
-            <a:ext cx="2631811" cy="369332"/>
-          </a:xfrm>
-          <a:prstGeom prst="rect">
-            <a:avLst/>
-          </a:prstGeom>
-        </p:spPr>
-        <p:style>
-          <a:lnRef idx="2">
-            <a:schemeClr val="accent2"/>
-          </a:lnRef>
-          <a:fillRef idx="1">
-            <a:schemeClr val="lt1"/>
-          </a:fillRef>
-          <a:effectRef idx="0">
-            <a:schemeClr val="accent2"/>
-          </a:effectRef>
-          <a:fontRef idx="minor">
-            <a:schemeClr val="dk1"/>
-          </a:fontRef>
-        </p:style>
-        <p:txBody>
-          <a:bodyPr wrap="none" rtlCol="0">
-            <a:spAutoFit/>
-          </a:bodyPr>
-          <a:lstStyle/>
-          <a:p>
-            <a:r>
-              <a:rPr lang="en-GB" dirty="0"/>
-              <a:t>Solver [244-276, 181-214]</a:t>
-            </a:r>
-          </a:p>
-        </p:txBody>
-      </p:sp>
-      <p:sp>
-        <p:nvSpPr>
-          <p:cNvPr id="45" name="TextBox 44">
-            <a:extLst>
-              <a:ext uri="{FF2B5EF4-FFF2-40B4-BE49-F238E27FC236}">
-                <a16:creationId xmlns:a16="http://schemas.microsoft.com/office/drawing/2014/main" id="{C7B19C3C-8743-40AA-BF07-1671582B0500}"/>
-              </a:ext>
-            </a:extLst>
-          </p:cNvPr>
-          <p:cNvSpPr txBox="1"/>
-          <p:nvPr/>
-        </p:nvSpPr>
-        <p:spPr>
-          <a:xfrm>
-            <a:off x="7481393" y="104582"/>
-            <a:ext cx="2404826" cy="369332"/>
-          </a:xfrm>
-          <a:prstGeom prst="rect">
-            <a:avLst/>
-          </a:prstGeom>
-        </p:spPr>
-        <p:style>
-          <a:lnRef idx="2">
-            <a:schemeClr val="accent2"/>
-          </a:lnRef>
-          <a:fillRef idx="1">
-            <a:schemeClr val="lt1"/>
-          </a:fillRef>
-          <a:effectRef idx="0">
-            <a:schemeClr val="accent2"/>
-          </a:effectRef>
-          <a:fontRef idx="minor">
-            <a:schemeClr val="dk1"/>
-          </a:fontRef>
-        </p:style>
-        <p:txBody>
-          <a:bodyPr wrap="none" rtlCol="0">
-            <a:spAutoFit/>
-          </a:bodyPr>
-          <a:lstStyle/>
-          <a:p>
-            <a:r>
-              <a:rPr lang="en-GB" dirty="0"/>
-              <a:t>Plot [277-292, 218-220]</a:t>
-            </a:r>
-          </a:p>
-        </p:txBody>
-      </p:sp>
-      <p:cxnSp>
-        <p:nvCxnSpPr>
-          <p:cNvPr id="46" name="Straight Arrow Connector 45">
-            <a:extLst>
-              <a:ext uri="{FF2B5EF4-FFF2-40B4-BE49-F238E27FC236}">
-                <a16:creationId xmlns:a16="http://schemas.microsoft.com/office/drawing/2014/main" id="{088A39D5-0B41-404F-BC8B-66E238679340}"/>
-              </a:ext>
-            </a:extLst>
-          </p:cNvPr>
-          <p:cNvCxnSpPr>
-            <a:cxnSpLocks/>
-          </p:cNvCxnSpPr>
-          <p:nvPr/>
-        </p:nvCxnSpPr>
-        <p:spPr>
-          <a:xfrm flipV="1">
-            <a:off x="7758873" y="491498"/>
-            <a:ext cx="0" cy="225518"/>
-          </a:xfrm>
-          <a:prstGeom prst="straightConnector1">
-            <a:avLst/>
-          </a:prstGeom>
-          <a:ln>
-            <a:tailEnd type="triangle"/>
-          </a:ln>
-        </p:spPr>
-        <p:style>
-          <a:lnRef idx="1">
-            <a:schemeClr val="accent2"/>
-          </a:lnRef>
-          <a:fillRef idx="0">
-            <a:schemeClr val="accent2"/>
-          </a:fillRef>
-          <a:effectRef idx="0">
-            <a:schemeClr val="accent2"/>
-          </a:effectRef>
-          <a:fontRef idx="minor">
-            <a:schemeClr val="tx1"/>
-          </a:fontRef>
-        </p:style>
-      </p:cxnSp>
-      <p:cxnSp>
-        <p:nvCxnSpPr>
-          <p:cNvPr id="51" name="Straight Arrow Connector 50">
-            <a:extLst>
-              <a:ext uri="{FF2B5EF4-FFF2-40B4-BE49-F238E27FC236}">
-                <a16:creationId xmlns:a16="http://schemas.microsoft.com/office/drawing/2014/main" id="{1C3DD819-91E3-45D0-B387-35476AFCA46C}"/>
-              </a:ext>
-            </a:extLst>
-          </p:cNvPr>
-          <p:cNvCxnSpPr>
-            <a:cxnSpLocks/>
-          </p:cNvCxnSpPr>
-          <p:nvPr/>
-        </p:nvCxnSpPr>
-        <p:spPr>
-          <a:xfrm flipH="1" flipV="1">
-            <a:off x="8816156" y="4781353"/>
-            <a:ext cx="803401" cy="1"/>
-          </a:xfrm>
-          <a:prstGeom prst="straightConnector1">
-            <a:avLst/>
-          </a:prstGeom>
-          <a:ln>
-            <a:tailEnd type="triangle"/>
-          </a:ln>
-        </p:spPr>
-        <p:style>
-          <a:lnRef idx="1">
-            <a:schemeClr val="accent2"/>
-          </a:lnRef>
-          <a:fillRef idx="0">
-            <a:schemeClr val="accent2"/>
-          </a:fillRef>
-          <a:effectRef idx="0">
-            <a:schemeClr val="accent2"/>
-          </a:effectRef>
-          <a:fontRef idx="minor">
-            <a:schemeClr val="tx1"/>
-          </a:fontRef>
-        </p:style>
-      </p:cxnSp>
-      <p:sp>
-        <p:nvSpPr>
-          <p:cNvPr id="54" name="TextBox 53">
-            <a:extLst>
-              <a:ext uri="{FF2B5EF4-FFF2-40B4-BE49-F238E27FC236}">
-                <a16:creationId xmlns:a16="http://schemas.microsoft.com/office/drawing/2014/main" id="{EFB5A6BC-AB3A-42E1-8BC4-7C716164A74A}"/>
-              </a:ext>
-            </a:extLst>
-          </p:cNvPr>
-          <p:cNvSpPr txBox="1"/>
-          <p:nvPr/>
-        </p:nvSpPr>
-        <p:spPr>
-          <a:xfrm>
-            <a:off x="1682522" y="711916"/>
-            <a:ext cx="1443024" cy="369332"/>
-          </a:xfrm>
-          <a:prstGeom prst="rect">
-            <a:avLst/>
-          </a:prstGeom>
-        </p:spPr>
-        <p:style>
-          <a:lnRef idx="2">
-            <a:schemeClr val="accent2"/>
-          </a:lnRef>
-          <a:fillRef idx="1">
-            <a:schemeClr val="lt1"/>
-          </a:fillRef>
-          <a:effectRef idx="0">
-            <a:schemeClr val="accent2"/>
-          </a:effectRef>
-          <a:fontRef idx="minor">
-            <a:schemeClr val="dk1"/>
-          </a:fontRef>
-        </p:style>
-        <p:txBody>
-          <a:bodyPr wrap="none" rtlCol="0">
-            <a:spAutoFit/>
-          </a:bodyPr>
-          <a:lstStyle/>
-          <a:p>
-            <a:r>
-              <a:rPr lang="en-GB" dirty="0"/>
-              <a:t>Import [9-12]</a:t>
-            </a:r>
-          </a:p>
-        </p:txBody>
-      </p:sp>
     </p:spTree>
     <p:extLst>
       <p:ext uri="{BB962C8B-B14F-4D97-AF65-F5344CB8AC3E}">

--- a/DMBEM_code_structure.pptx
+++ b/DMBEM_code_structure.pptx
@@ -261,7 +261,7 @@
           <a:p>
             <a:fld id="{4362171C-C25F-479C-B4BF-1B0181DE6E1F}" type="datetimeFigureOut">
               <a:rPr lang="en-GB" smtClean="0"/>
-              <a:t>28/10/2021</a:t>
+              <a:t>29/10/2021</a:t>
             </a:fld>
             <a:endParaRPr lang="en-GB"/>
           </a:p>
@@ -461,7 +461,7 @@
           <a:p>
             <a:fld id="{4362171C-C25F-479C-B4BF-1B0181DE6E1F}" type="datetimeFigureOut">
               <a:rPr lang="en-GB" smtClean="0"/>
-              <a:t>28/10/2021</a:t>
+              <a:t>29/10/2021</a:t>
             </a:fld>
             <a:endParaRPr lang="en-GB"/>
           </a:p>
@@ -671,7 +671,7 @@
           <a:p>
             <a:fld id="{4362171C-C25F-479C-B4BF-1B0181DE6E1F}" type="datetimeFigureOut">
               <a:rPr lang="en-GB" smtClean="0"/>
-              <a:t>28/10/2021</a:t>
+              <a:t>29/10/2021</a:t>
             </a:fld>
             <a:endParaRPr lang="en-GB"/>
           </a:p>
@@ -871,7 +871,7 @@
           <a:p>
             <a:fld id="{4362171C-C25F-479C-B4BF-1B0181DE6E1F}" type="datetimeFigureOut">
               <a:rPr lang="en-GB" smtClean="0"/>
-              <a:t>28/10/2021</a:t>
+              <a:t>29/10/2021</a:t>
             </a:fld>
             <a:endParaRPr lang="en-GB"/>
           </a:p>
@@ -1147,7 +1147,7 @@
           <a:p>
             <a:fld id="{4362171C-C25F-479C-B4BF-1B0181DE6E1F}" type="datetimeFigureOut">
               <a:rPr lang="en-GB" smtClean="0"/>
-              <a:t>28/10/2021</a:t>
+              <a:t>29/10/2021</a:t>
             </a:fld>
             <a:endParaRPr lang="en-GB"/>
           </a:p>
@@ -1415,7 +1415,7 @@
           <a:p>
             <a:fld id="{4362171C-C25F-479C-B4BF-1B0181DE6E1F}" type="datetimeFigureOut">
               <a:rPr lang="en-GB" smtClean="0"/>
-              <a:t>28/10/2021</a:t>
+              <a:t>29/10/2021</a:t>
             </a:fld>
             <a:endParaRPr lang="en-GB"/>
           </a:p>
@@ -1830,7 +1830,7 @@
           <a:p>
             <a:fld id="{4362171C-C25F-479C-B4BF-1B0181DE6E1F}" type="datetimeFigureOut">
               <a:rPr lang="en-GB" smtClean="0"/>
-              <a:t>28/10/2021</a:t>
+              <a:t>29/10/2021</a:t>
             </a:fld>
             <a:endParaRPr lang="en-GB"/>
           </a:p>
@@ -1972,7 +1972,7 @@
           <a:p>
             <a:fld id="{4362171C-C25F-479C-B4BF-1B0181DE6E1F}" type="datetimeFigureOut">
               <a:rPr lang="en-GB" smtClean="0"/>
-              <a:t>28/10/2021</a:t>
+              <a:t>29/10/2021</a:t>
             </a:fld>
             <a:endParaRPr lang="en-GB"/>
           </a:p>
@@ -2085,7 +2085,7 @@
           <a:p>
             <a:fld id="{4362171C-C25F-479C-B4BF-1B0181DE6E1F}" type="datetimeFigureOut">
               <a:rPr lang="en-GB" smtClean="0"/>
-              <a:t>28/10/2021</a:t>
+              <a:t>29/10/2021</a:t>
             </a:fld>
             <a:endParaRPr lang="en-GB"/>
           </a:p>
@@ -2398,7 +2398,7 @@
           <a:p>
             <a:fld id="{4362171C-C25F-479C-B4BF-1B0181DE6E1F}" type="datetimeFigureOut">
               <a:rPr lang="en-GB" smtClean="0"/>
-              <a:t>28/10/2021</a:t>
+              <a:t>29/10/2021</a:t>
             </a:fld>
             <a:endParaRPr lang="en-GB"/>
           </a:p>
@@ -2687,7 +2687,7 @@
           <a:p>
             <a:fld id="{4362171C-C25F-479C-B4BF-1B0181DE6E1F}" type="datetimeFigureOut">
               <a:rPr lang="en-GB" smtClean="0"/>
-              <a:t>28/10/2021</a:t>
+              <a:t>29/10/2021</a:t>
             </a:fld>
             <a:endParaRPr lang="en-GB"/>
           </a:p>
@@ -2930,7 +2930,7 @@
           <a:p>
             <a:fld id="{4362171C-C25F-479C-B4BF-1B0181DE6E1F}" type="datetimeFigureOut">
               <a:rPr lang="en-GB" smtClean="0"/>
-              <a:t>28/10/2021</a:t>
+              <a:t>29/10/2021</a:t>
             </a:fld>
             <a:endParaRPr lang="en-GB"/>
           </a:p>
@@ -3730,7 +3730,7 @@
         </p:nvSpPr>
         <p:spPr>
           <a:xfrm>
-            <a:off x="7406070" y="5225705"/>
+            <a:off x="1427235" y="1347550"/>
             <a:ext cx="684803" cy="369332"/>
           </a:xfrm>
           <a:prstGeom prst="rect">
@@ -4183,51 +4183,7 @@
         <p:spPr>
           <a:xfrm flipH="1" flipV="1">
             <a:off x="7455369" y="4789723"/>
-            <a:ext cx="187598" cy="351392"/>
-          </a:xfrm>
-          <a:prstGeom prst="straightConnector1">
-            <a:avLst/>
-          </a:prstGeom>
-          <a:ln w="19050">
-            <a:solidFill>
-              <a:schemeClr val="accent2"/>
-            </a:solidFill>
-            <a:tailEnd type="triangle"/>
-          </a:ln>
-        </p:spPr>
-        <p:style>
-          <a:lnRef idx="1">
-            <a:schemeClr val="accent2"/>
-          </a:lnRef>
-          <a:fillRef idx="0">
-            <a:schemeClr val="accent2"/>
-          </a:fillRef>
-          <a:effectRef idx="0">
-            <a:schemeClr val="accent2"/>
-          </a:effectRef>
-          <a:fontRef idx="minor">
-            <a:schemeClr val="tx1"/>
-          </a:fontRef>
-        </p:style>
-      </p:cxnSp>
-      <p:cxnSp>
-        <p:nvCxnSpPr>
-          <p:cNvPr id="41" name="Straight Arrow Connector 40">
-            <a:extLst>
-              <a:ext uri="{FF2B5EF4-FFF2-40B4-BE49-F238E27FC236}">
-                <a16:creationId xmlns:a16="http://schemas.microsoft.com/office/drawing/2014/main" id="{74DC3DEA-5980-4233-9FD2-9ADCA0CA37D7}"/>
-              </a:ext>
-            </a:extLst>
-          </p:cNvPr>
-          <p:cNvCxnSpPr>
-            <a:cxnSpLocks/>
-          </p:cNvCxnSpPr>
-          <p:nvPr/>
-        </p:nvCxnSpPr>
-        <p:spPr>
-          <a:xfrm flipH="1" flipV="1">
-            <a:off x="7853204" y="5676419"/>
-            <a:ext cx="187598" cy="351392"/>
+            <a:ext cx="501416" cy="1171462"/>
           </a:xfrm>
           <a:prstGeom prst="straightConnector1">
             <a:avLst/>

--- a/DMBEM_code_structure.pptx
+++ b/DMBEM_code_structure.pptx
@@ -261,7 +261,7 @@
           <a:p>
             <a:fld id="{4362171C-C25F-479C-B4BF-1B0181DE6E1F}" type="datetimeFigureOut">
               <a:rPr lang="en-GB" smtClean="0"/>
-              <a:t>29/10/2021</a:t>
+              <a:t>15/11/2021</a:t>
             </a:fld>
             <a:endParaRPr lang="en-GB"/>
           </a:p>
@@ -461,7 +461,7 @@
           <a:p>
             <a:fld id="{4362171C-C25F-479C-B4BF-1B0181DE6E1F}" type="datetimeFigureOut">
               <a:rPr lang="en-GB" smtClean="0"/>
-              <a:t>29/10/2021</a:t>
+              <a:t>15/11/2021</a:t>
             </a:fld>
             <a:endParaRPr lang="en-GB"/>
           </a:p>
@@ -671,7 +671,7 @@
           <a:p>
             <a:fld id="{4362171C-C25F-479C-B4BF-1B0181DE6E1F}" type="datetimeFigureOut">
               <a:rPr lang="en-GB" smtClean="0"/>
-              <a:t>29/10/2021</a:t>
+              <a:t>15/11/2021</a:t>
             </a:fld>
             <a:endParaRPr lang="en-GB"/>
           </a:p>
@@ -871,7 +871,7 @@
           <a:p>
             <a:fld id="{4362171C-C25F-479C-B4BF-1B0181DE6E1F}" type="datetimeFigureOut">
               <a:rPr lang="en-GB" smtClean="0"/>
-              <a:t>29/10/2021</a:t>
+              <a:t>15/11/2021</a:t>
             </a:fld>
             <a:endParaRPr lang="en-GB"/>
           </a:p>
@@ -1147,7 +1147,7 @@
           <a:p>
             <a:fld id="{4362171C-C25F-479C-B4BF-1B0181DE6E1F}" type="datetimeFigureOut">
               <a:rPr lang="en-GB" smtClean="0"/>
-              <a:t>29/10/2021</a:t>
+              <a:t>15/11/2021</a:t>
             </a:fld>
             <a:endParaRPr lang="en-GB"/>
           </a:p>
@@ -1415,7 +1415,7 @@
           <a:p>
             <a:fld id="{4362171C-C25F-479C-B4BF-1B0181DE6E1F}" type="datetimeFigureOut">
               <a:rPr lang="en-GB" smtClean="0"/>
-              <a:t>29/10/2021</a:t>
+              <a:t>15/11/2021</a:t>
             </a:fld>
             <a:endParaRPr lang="en-GB"/>
           </a:p>
@@ -1830,7 +1830,7 @@
           <a:p>
             <a:fld id="{4362171C-C25F-479C-B4BF-1B0181DE6E1F}" type="datetimeFigureOut">
               <a:rPr lang="en-GB" smtClean="0"/>
-              <a:t>29/10/2021</a:t>
+              <a:t>15/11/2021</a:t>
             </a:fld>
             <a:endParaRPr lang="en-GB"/>
           </a:p>
@@ -1972,7 +1972,7 @@
           <a:p>
             <a:fld id="{4362171C-C25F-479C-B4BF-1B0181DE6E1F}" type="datetimeFigureOut">
               <a:rPr lang="en-GB" smtClean="0"/>
-              <a:t>29/10/2021</a:t>
+              <a:t>15/11/2021</a:t>
             </a:fld>
             <a:endParaRPr lang="en-GB"/>
           </a:p>
@@ -2085,7 +2085,7 @@
           <a:p>
             <a:fld id="{4362171C-C25F-479C-B4BF-1B0181DE6E1F}" type="datetimeFigureOut">
               <a:rPr lang="en-GB" smtClean="0"/>
-              <a:t>29/10/2021</a:t>
+              <a:t>15/11/2021</a:t>
             </a:fld>
             <a:endParaRPr lang="en-GB"/>
           </a:p>
@@ -2398,7 +2398,7 @@
           <a:p>
             <a:fld id="{4362171C-C25F-479C-B4BF-1B0181DE6E1F}" type="datetimeFigureOut">
               <a:rPr lang="en-GB" smtClean="0"/>
-              <a:t>29/10/2021</a:t>
+              <a:t>15/11/2021</a:t>
             </a:fld>
             <a:endParaRPr lang="en-GB"/>
           </a:p>
@@ -2687,7 +2687,7 @@
           <a:p>
             <a:fld id="{4362171C-C25F-479C-B4BF-1B0181DE6E1F}" type="datetimeFigureOut">
               <a:rPr lang="en-GB" smtClean="0"/>
-              <a:t>29/10/2021</a:t>
+              <a:t>15/11/2021</a:t>
             </a:fld>
             <a:endParaRPr lang="en-GB"/>
           </a:p>
@@ -2930,7 +2930,7 @@
           <a:p>
             <a:fld id="{4362171C-C25F-479C-B4BF-1B0181DE6E1F}" type="datetimeFigureOut">
               <a:rPr lang="en-GB" smtClean="0"/>
-              <a:t>29/10/2021</a:t>
+              <a:t>15/11/2021</a:t>
             </a:fld>
             <a:endParaRPr lang="en-GB"/>
           </a:p>
@@ -3361,13 +3361,13 @@
         </p:nvSpPr>
         <p:spPr>
           <a:xfrm>
-            <a:off x="3608486" y="5225705"/>
-            <a:ext cx="2760332" cy="369332"/>
+            <a:off x="4724588" y="4361709"/>
+            <a:ext cx="2760332" cy="338554"/>
           </a:xfrm>
           <a:prstGeom prst="rect">
             <a:avLst/>
           </a:prstGeom>
-          <a:ln w="19050">
+          <a:ln w="28575">
             <a:solidFill>
               <a:schemeClr val="accent2"/>
             </a:solidFill>
@@ -3394,7 +3394,7 @@
           <a:lstStyle/>
           <a:p>
             <a:r>
-              <a:rPr lang="en-GB" dirty="0"/>
+              <a:rPr lang="en-GB" sz="1600" dirty="0"/>
               <a:t>Thermo-physical Properties</a:t>
             </a:r>
           </a:p>
@@ -3414,13 +3414,13 @@
         </p:nvSpPr>
         <p:spPr>
           <a:xfrm>
-            <a:off x="3519403" y="6110457"/>
-            <a:ext cx="2362955" cy="369332"/>
+            <a:off x="5049166" y="5597986"/>
+            <a:ext cx="2115579" cy="338554"/>
           </a:xfrm>
           <a:prstGeom prst="rect">
             <a:avLst/>
           </a:prstGeom>
-          <a:ln w="19050">
+          <a:ln w="28575">
             <a:solidFill>
               <a:schemeClr val="accent2"/>
             </a:solidFill>
@@ -3447,56 +3447,12 @@
           <a:lstStyle/>
           <a:p>
             <a:r>
-              <a:rPr lang="en-GB" dirty="0"/>
+              <a:rPr lang="en-GB" sz="1600" dirty="0"/>
               <a:t>Building Characteristics</a:t>
             </a:r>
           </a:p>
         </p:txBody>
       </p:sp>
-      <p:cxnSp>
-        <p:nvCxnSpPr>
-          <p:cNvPr id="16" name="Straight Arrow Connector 15">
-            <a:extLst>
-              <a:ext uri="{FF2B5EF4-FFF2-40B4-BE49-F238E27FC236}">
-                <a16:creationId xmlns:a16="http://schemas.microsoft.com/office/drawing/2014/main" id="{1876615C-322A-4916-823A-94D691DF5F4E}"/>
-              </a:ext>
-            </a:extLst>
-          </p:cNvPr>
-          <p:cNvCxnSpPr>
-            <a:cxnSpLocks/>
-          </p:cNvCxnSpPr>
-          <p:nvPr/>
-        </p:nvCxnSpPr>
-        <p:spPr>
-          <a:xfrm flipH="1">
-            <a:off x="7025691" y="1716882"/>
-            <a:ext cx="1388549" cy="1"/>
-          </a:xfrm>
-          <a:prstGeom prst="straightConnector1">
-            <a:avLst/>
-          </a:prstGeom>
-          <a:ln w="19050">
-            <a:solidFill>
-              <a:schemeClr val="accent2"/>
-            </a:solidFill>
-            <a:tailEnd type="triangle"/>
-          </a:ln>
-        </p:spPr>
-        <p:style>
-          <a:lnRef idx="1">
-            <a:schemeClr val="accent2"/>
-          </a:lnRef>
-          <a:fillRef idx="0">
-            <a:schemeClr val="accent2"/>
-          </a:fillRef>
-          <a:effectRef idx="0">
-            <a:schemeClr val="accent2"/>
-          </a:effectRef>
-          <a:fontRef idx="minor">
-            <a:schemeClr val="tx1"/>
-          </a:fontRef>
-        </p:style>
-      </p:cxnSp>
       <p:sp>
         <p:nvSpPr>
           <p:cNvPr id="18" name="TextBox 17">
@@ -3511,13 +3467,13 @@
         </p:nvSpPr>
         <p:spPr>
           <a:xfrm>
-            <a:off x="5032612" y="3317202"/>
-            <a:ext cx="2654316" cy="1384995"/>
+            <a:off x="5177293" y="2774975"/>
+            <a:ext cx="1854995" cy="1308050"/>
           </a:xfrm>
           <a:prstGeom prst="rect">
             <a:avLst/>
           </a:prstGeom>
-          <a:ln w="19050">
+          <a:ln w="28575">
             <a:solidFill>
               <a:schemeClr val="accent2"/>
             </a:solidFill>
@@ -3544,8 +3500,8 @@
           <a:lstStyle/>
           <a:p>
             <a:r>
-              <a:rPr lang="en-GB" dirty="0"/>
-              <a:t>Function for each Element</a:t>
+              <a:rPr lang="en-GB" sz="1600" dirty="0"/>
+              <a:t>Element functions</a:t>
             </a:r>
           </a:p>
           <a:p>
@@ -3554,8 +3510,8 @@
               <a:buChar char="•"/>
             </a:pPr>
             <a:r>
-              <a:rPr lang="en-GB" sz="1100" dirty="0"/>
-              <a:t>Wall</a:t>
+              <a:rPr lang="en-GB" sz="1050" dirty="0"/>
+              <a:t>Indoor air</a:t>
             </a:r>
           </a:p>
           <a:p>
@@ -3564,8 +3520,8 @@
               <a:buChar char="•"/>
             </a:pPr>
             <a:r>
-              <a:rPr lang="en-GB" sz="1100" dirty="0"/>
-              <a:t>Window</a:t>
+              <a:rPr lang="en-GB" sz="1050" dirty="0"/>
+              <a:t>Ventilation</a:t>
             </a:r>
           </a:p>
           <a:p>
@@ -3574,8 +3530,8 @@
               <a:buChar char="•"/>
             </a:pPr>
             <a:r>
-              <a:rPr lang="en-GB" sz="1100" dirty="0"/>
-              <a:t>Floor</a:t>
+              <a:rPr lang="en-GB" sz="1050" dirty="0"/>
+              <a:t>Solid Wall with Insulation</a:t>
             </a:r>
           </a:p>
           <a:p>
@@ -3584,8 +3540,8 @@
               <a:buChar char="•"/>
             </a:pPr>
             <a:r>
-              <a:rPr lang="en-GB" sz="1100" dirty="0"/>
-              <a:t>Roof</a:t>
+              <a:rPr lang="en-GB" sz="1050" dirty="0"/>
+              <a:t>Window</a:t>
             </a:r>
           </a:p>
           <a:p>
@@ -3594,8 +3550,8 @@
               <a:buChar char="•"/>
             </a:pPr>
             <a:r>
-              <a:rPr lang="en-GB" sz="1100" dirty="0"/>
-              <a:t>Door</a:t>
+              <a:rPr lang="en-GB" sz="1050" dirty="0"/>
+              <a:t>Floor</a:t>
             </a:r>
           </a:p>
           <a:p>
@@ -3604,8 +3560,8 @@
               <a:buChar char="•"/>
             </a:pPr>
             <a:r>
-              <a:rPr lang="en-GB" sz="1100" dirty="0"/>
-              <a:t>HVAC &amp; Heater</a:t>
+              <a:rPr lang="en-GB" sz="1050" dirty="0"/>
+              <a:t>Roof</a:t>
             </a:r>
           </a:p>
         </p:txBody>
@@ -3624,13 +3580,13 @@
         </p:nvSpPr>
         <p:spPr>
           <a:xfrm>
-            <a:off x="7573472" y="6109193"/>
-            <a:ext cx="999633" cy="369332"/>
+            <a:off x="5650083" y="2156578"/>
+            <a:ext cx="909416" cy="338554"/>
           </a:xfrm>
           <a:prstGeom prst="rect">
             <a:avLst/>
           </a:prstGeom>
-          <a:ln w="19050">
+          <a:ln w="28575">
             <a:solidFill>
               <a:schemeClr val="accent2"/>
             </a:solidFill>
@@ -3657,7 +3613,7 @@
           <a:lstStyle/>
           <a:p>
             <a:r>
-              <a:rPr lang="en-GB" dirty="0"/>
+              <a:rPr lang="en-GB" sz="1600" dirty="0"/>
               <a:t>Weather</a:t>
             </a:r>
           </a:p>
@@ -3677,13 +3633,13 @@
         </p:nvSpPr>
         <p:spPr>
           <a:xfrm>
-            <a:off x="5830849" y="2425056"/>
-            <a:ext cx="1075936" cy="369332"/>
+            <a:off x="5616515" y="1539857"/>
+            <a:ext cx="976549" cy="338554"/>
           </a:xfrm>
           <a:prstGeom prst="rect">
             <a:avLst/>
           </a:prstGeom>
-          <a:ln w="19050">
+          <a:ln w="28575">
             <a:solidFill>
               <a:schemeClr val="accent2"/>
             </a:solidFill>
@@ -3710,7 +3666,7 @@
           <a:lstStyle/>
           <a:p>
             <a:r>
-              <a:rPr lang="en-GB" dirty="0"/>
+              <a:rPr lang="en-GB" sz="1600" dirty="0"/>
               <a:t>Assembly</a:t>
             </a:r>
           </a:p>
@@ -3730,15 +3686,15 @@
         </p:nvSpPr>
         <p:spPr>
           <a:xfrm>
-            <a:off x="1427235" y="1347550"/>
-            <a:ext cx="684803" cy="369332"/>
+            <a:off x="5774582" y="4978633"/>
+            <a:ext cx="684803" cy="338554"/>
           </a:xfrm>
           <a:prstGeom prst="rect">
             <a:avLst/>
           </a:prstGeom>
-          <a:ln w="19050">
+          <a:ln w="28575">
             <a:solidFill>
-              <a:schemeClr val="accent2"/>
+              <a:srgbClr val="C00000"/>
             </a:solidFill>
           </a:ln>
         </p:spPr>
@@ -3763,7 +3719,7 @@
           <a:lstStyle/>
           <a:p>
             <a:r>
-              <a:rPr lang="en-GB" dirty="0"/>
+              <a:rPr lang="en-GB" sz="1600" dirty="0"/>
               <a:t>Input</a:t>
             </a:r>
           </a:p>
@@ -3783,13 +3739,13 @@
         </p:nvSpPr>
         <p:spPr>
           <a:xfrm>
-            <a:off x="479413" y="6109193"/>
-            <a:ext cx="2580450" cy="369332"/>
+            <a:off x="1927088" y="5597986"/>
+            <a:ext cx="2312236" cy="338554"/>
           </a:xfrm>
           <a:prstGeom prst="rect">
             <a:avLst/>
           </a:prstGeom>
-          <a:ln w="19050">
+          <a:ln w="28575">
             <a:solidFill>
               <a:schemeClr val="accent4">
                 <a:lumMod val="60000"/>
@@ -3819,7 +3775,7 @@
           <a:lstStyle/>
           <a:p>
             <a:r>
-              <a:rPr lang="en-GB" dirty="0">
+              <a:rPr lang="en-GB" sz="1600" dirty="0">
                 <a:solidFill>
                   <a:schemeClr val="tx1">
                     <a:lumMod val="65000"/>
@@ -3832,59 +3788,171 @@
           </a:p>
         </p:txBody>
       </p:sp>
-      <p:cxnSp>
-        <p:nvCxnSpPr>
-          <p:cNvPr id="27" name="Straight Arrow Connector 26">
-            <a:extLst>
-              <a:ext uri="{FF2B5EF4-FFF2-40B4-BE49-F238E27FC236}">
-                <a16:creationId xmlns:a16="http://schemas.microsoft.com/office/drawing/2014/main" id="{8E8C6770-0F00-4E91-B29E-8BBE3B1958D6}"/>
-              </a:ext>
-            </a:extLst>
-          </p:cNvPr>
-          <p:cNvCxnSpPr>
-            <a:cxnSpLocks/>
-          </p:cNvCxnSpPr>
+      <p:sp>
+        <p:nvSpPr>
+          <p:cNvPr id="44" name="TextBox 43">
+            <a:extLst>
+              <a:ext uri="{FF2B5EF4-FFF2-40B4-BE49-F238E27FC236}">
+                <a16:creationId xmlns:a16="http://schemas.microsoft.com/office/drawing/2014/main" id="{117A72DE-F389-4502-8319-6C3A2B046CF4}"/>
+              </a:ext>
+            </a:extLst>
+          </p:cNvPr>
+          <p:cNvSpPr txBox="1"/>
           <p:nvPr/>
-        </p:nvCxnSpPr>
+        </p:nvSpPr>
         <p:spPr>
           <a:xfrm>
-            <a:off x="3165233" y="6293859"/>
-            <a:ext cx="246098" cy="0"/>
+            <a:off x="5741109" y="921460"/>
+            <a:ext cx="700448" cy="338554"/>
           </a:xfrm>
-          <a:prstGeom prst="straightConnector1">
+          <a:prstGeom prst="rect">
             <a:avLst/>
           </a:prstGeom>
-          <a:ln w="19050">
+          <a:ln w="28575">
             <a:solidFill>
-              <a:schemeClr val="accent4">
-                <a:lumMod val="60000"/>
-                <a:lumOff val="40000"/>
-              </a:schemeClr>
+              <a:srgbClr val="C00000"/>
             </a:solidFill>
-            <a:tailEnd type="triangle"/>
           </a:ln>
         </p:spPr>
         <p:style>
-          <a:lnRef idx="1">
-            <a:schemeClr val="accent4"/>
+          <a:lnRef idx="2">
+            <a:schemeClr val="accent2"/>
           </a:lnRef>
-          <a:fillRef idx="0">
-            <a:schemeClr val="accent4"/>
+          <a:fillRef idx="1">
+            <a:schemeClr val="lt1"/>
           </a:fillRef>
           <a:effectRef idx="0">
-            <a:schemeClr val="accent4"/>
+            <a:schemeClr val="accent2"/>
           </a:effectRef>
           <a:fontRef idx="minor">
-            <a:schemeClr val="tx1"/>
+            <a:schemeClr val="dk1"/>
           </a:fontRef>
         </p:style>
-      </p:cxnSp>
+        <p:txBody>
+          <a:bodyPr wrap="none" rtlCol="0">
+            <a:spAutoFit/>
+          </a:bodyPr>
+          <a:lstStyle/>
+          <a:p>
+            <a:r>
+              <a:rPr lang="en-GB" sz="1600" dirty="0"/>
+              <a:t>Solver</a:t>
+            </a:r>
+          </a:p>
+        </p:txBody>
+      </p:sp>
+      <p:sp>
+        <p:nvSpPr>
+          <p:cNvPr id="45" name="TextBox 44">
+            <a:extLst>
+              <a:ext uri="{FF2B5EF4-FFF2-40B4-BE49-F238E27FC236}">
+                <a16:creationId xmlns:a16="http://schemas.microsoft.com/office/drawing/2014/main" id="{C7B19C3C-8743-40AA-BF07-1671582B0500}"/>
+              </a:ext>
+            </a:extLst>
+          </p:cNvPr>
+          <p:cNvSpPr txBox="1"/>
+          <p:nvPr/>
+        </p:nvSpPr>
+        <p:spPr>
+          <a:xfrm>
+            <a:off x="5833887" y="298864"/>
+            <a:ext cx="514885" cy="338554"/>
+          </a:xfrm>
+          <a:prstGeom prst="rect">
+            <a:avLst/>
+          </a:prstGeom>
+          <a:ln w="28575">
+            <a:solidFill>
+              <a:srgbClr val="C00000"/>
+            </a:solidFill>
+          </a:ln>
+        </p:spPr>
+        <p:style>
+          <a:lnRef idx="2">
+            <a:schemeClr val="accent2"/>
+          </a:lnRef>
+          <a:fillRef idx="1">
+            <a:schemeClr val="lt1"/>
+          </a:fillRef>
+          <a:effectRef idx="0">
+            <a:schemeClr val="accent2"/>
+          </a:effectRef>
+          <a:fontRef idx="minor">
+            <a:schemeClr val="dk1"/>
+          </a:fontRef>
+        </p:style>
+        <p:txBody>
+          <a:bodyPr wrap="none" rtlCol="0">
+            <a:spAutoFit/>
+          </a:bodyPr>
+          <a:lstStyle/>
+          <a:p>
+            <a:r>
+              <a:rPr lang="en-GB" sz="1600" dirty="0"/>
+              <a:t>Plot</a:t>
+            </a:r>
+          </a:p>
+        </p:txBody>
+      </p:sp>
+      <p:sp>
+        <p:nvSpPr>
+          <p:cNvPr id="54" name="TextBox 53">
+            <a:extLst>
+              <a:ext uri="{FF2B5EF4-FFF2-40B4-BE49-F238E27FC236}">
+                <a16:creationId xmlns:a16="http://schemas.microsoft.com/office/drawing/2014/main" id="{EFB5A6BC-AB3A-42E1-8BC4-7C716164A74A}"/>
+              </a:ext>
+            </a:extLst>
+          </p:cNvPr>
+          <p:cNvSpPr txBox="1"/>
+          <p:nvPr/>
+        </p:nvSpPr>
+        <p:spPr>
+          <a:xfrm>
+            <a:off x="5732418" y="6220582"/>
+            <a:ext cx="756938" cy="338554"/>
+          </a:xfrm>
+          <a:prstGeom prst="rect">
+            <a:avLst/>
+          </a:prstGeom>
+          <a:ln w="28575">
+            <a:solidFill>
+              <a:srgbClr val="C00000"/>
+            </a:solidFill>
+          </a:ln>
+        </p:spPr>
+        <p:style>
+          <a:lnRef idx="2">
+            <a:schemeClr val="accent2"/>
+          </a:lnRef>
+          <a:fillRef idx="1">
+            <a:schemeClr val="lt1"/>
+          </a:fillRef>
+          <a:effectRef idx="0">
+            <a:schemeClr val="accent2"/>
+          </a:effectRef>
+          <a:fontRef idx="minor">
+            <a:schemeClr val="dk1"/>
+          </a:fontRef>
+        </p:style>
+        <p:txBody>
+          <a:bodyPr wrap="none" rtlCol="0">
+            <a:spAutoFit/>
+          </a:bodyPr>
+          <a:lstStyle/>
+          <a:p>
+            <a:r>
+              <a:rPr lang="en-GB" sz="1600" dirty="0"/>
+              <a:t>Import</a:t>
+            </a:r>
+          </a:p>
+        </p:txBody>
+      </p:sp>
       <p:cxnSp>
         <p:nvCxnSpPr>
-          <p:cNvPr id="42" name="Straight Arrow Connector 41">
-            <a:extLst>
-              <a:ext uri="{FF2B5EF4-FFF2-40B4-BE49-F238E27FC236}">
-                <a16:creationId xmlns:a16="http://schemas.microsoft.com/office/drawing/2014/main" id="{9BCC7975-9665-4E17-8145-441922F5007B}"/>
+          <p:cNvPr id="47" name="Straight Arrow Connector 46">
+            <a:extLst>
+              <a:ext uri="{FF2B5EF4-FFF2-40B4-BE49-F238E27FC236}">
+                <a16:creationId xmlns:a16="http://schemas.microsoft.com/office/drawing/2014/main" id="{ED445057-C1AC-47B3-B546-7954DBB72A30}"/>
               </a:ext>
             </a:extLst>
           </p:cNvPr>
@@ -3895,15 +3963,15 @@
         </p:nvCxnSpPr>
         <p:spPr>
           <a:xfrm flipV="1">
-            <a:off x="6368817" y="1996615"/>
-            <a:ext cx="0" cy="352330"/>
+            <a:off x="6116983" y="5992027"/>
+            <a:ext cx="0" cy="168592"/>
           </a:xfrm>
           <a:prstGeom prst="straightConnector1">
             <a:avLst/>
           </a:prstGeom>
-          <a:ln w="19050">
+          <a:ln w="28575">
             <a:solidFill>
-              <a:schemeClr val="accent2"/>
+              <a:schemeClr val="tx1"/>
             </a:solidFill>
             <a:tailEnd type="triangle"/>
           </a:ln>
@@ -3925,10 +3993,10 @@
       </p:cxnSp>
       <p:sp>
         <p:nvSpPr>
-          <p:cNvPr id="44" name="TextBox 43">
-            <a:extLst>
-              <a:ext uri="{FF2B5EF4-FFF2-40B4-BE49-F238E27FC236}">
-                <a16:creationId xmlns:a16="http://schemas.microsoft.com/office/drawing/2014/main" id="{117A72DE-F389-4502-8319-6C3A2B046CF4}"/>
+          <p:cNvPr id="49" name="TextBox 48">
+            <a:extLst>
+              <a:ext uri="{FF2B5EF4-FFF2-40B4-BE49-F238E27FC236}">
+                <a16:creationId xmlns:a16="http://schemas.microsoft.com/office/drawing/2014/main" id="{4A8B373B-6AF0-4151-B02C-D69E18FE3BA2}"/>
               </a:ext>
             </a:extLst>
           </p:cNvPr>
@@ -3937,344 +4005,13 @@
         </p:nvSpPr>
         <p:spPr>
           <a:xfrm>
-            <a:off x="5987462" y="1532216"/>
-            <a:ext cx="762709" cy="369332"/>
+            <a:off x="7789797" y="2150482"/>
+            <a:ext cx="1696362" cy="338554"/>
           </a:xfrm>
           <a:prstGeom prst="rect">
             <a:avLst/>
           </a:prstGeom>
-          <a:ln w="19050">
-            <a:solidFill>
-              <a:schemeClr val="accent2"/>
-            </a:solidFill>
-          </a:ln>
-        </p:spPr>
-        <p:style>
-          <a:lnRef idx="2">
-            <a:schemeClr val="accent2"/>
-          </a:lnRef>
-          <a:fillRef idx="1">
-            <a:schemeClr val="lt1"/>
-          </a:fillRef>
-          <a:effectRef idx="0">
-            <a:schemeClr val="accent2"/>
-          </a:effectRef>
-          <a:fontRef idx="minor">
-            <a:schemeClr val="dk1"/>
-          </a:fontRef>
-        </p:style>
-        <p:txBody>
-          <a:bodyPr wrap="none" rtlCol="0">
-            <a:spAutoFit/>
-          </a:bodyPr>
-          <a:lstStyle/>
-          <a:p>
-            <a:r>
-              <a:rPr lang="en-GB" dirty="0"/>
-              <a:t>Solver</a:t>
-            </a:r>
-          </a:p>
-        </p:txBody>
-      </p:sp>
-      <p:sp>
-        <p:nvSpPr>
-          <p:cNvPr id="45" name="TextBox 44">
-            <a:extLst>
-              <a:ext uri="{FF2B5EF4-FFF2-40B4-BE49-F238E27FC236}">
-                <a16:creationId xmlns:a16="http://schemas.microsoft.com/office/drawing/2014/main" id="{C7B19C3C-8743-40AA-BF07-1671582B0500}"/>
-              </a:ext>
-            </a:extLst>
-          </p:cNvPr>
-          <p:cNvSpPr txBox="1"/>
-          <p:nvPr/>
-        </p:nvSpPr>
-        <p:spPr>
-          <a:xfrm>
-            <a:off x="6091336" y="639376"/>
-            <a:ext cx="554960" cy="369332"/>
-          </a:xfrm>
-          <a:prstGeom prst="rect">
-            <a:avLst/>
-          </a:prstGeom>
-          <a:ln w="19050">
-            <a:solidFill>
-              <a:schemeClr val="accent2"/>
-            </a:solidFill>
-          </a:ln>
-        </p:spPr>
-        <p:style>
-          <a:lnRef idx="2">
-            <a:schemeClr val="accent2"/>
-          </a:lnRef>
-          <a:fillRef idx="1">
-            <a:schemeClr val="lt1"/>
-          </a:fillRef>
-          <a:effectRef idx="0">
-            <a:schemeClr val="accent2"/>
-          </a:effectRef>
-          <a:fontRef idx="minor">
-            <a:schemeClr val="dk1"/>
-          </a:fontRef>
-        </p:style>
-        <p:txBody>
-          <a:bodyPr wrap="none" rtlCol="0">
-            <a:spAutoFit/>
-          </a:bodyPr>
-          <a:lstStyle/>
-          <a:p>
-            <a:r>
-              <a:rPr lang="en-GB" dirty="0"/>
-              <a:t>Plot</a:t>
-            </a:r>
-          </a:p>
-        </p:txBody>
-      </p:sp>
-      <p:sp>
-        <p:nvSpPr>
-          <p:cNvPr id="54" name="TextBox 53">
-            <a:extLst>
-              <a:ext uri="{FF2B5EF4-FFF2-40B4-BE49-F238E27FC236}">
-                <a16:creationId xmlns:a16="http://schemas.microsoft.com/office/drawing/2014/main" id="{EFB5A6BC-AB3A-42E1-8BC4-7C716164A74A}"/>
-              </a:ext>
-            </a:extLst>
-          </p:cNvPr>
-          <p:cNvSpPr txBox="1"/>
-          <p:nvPr/>
-        </p:nvSpPr>
-        <p:spPr>
-          <a:xfrm>
-            <a:off x="1355902" y="639376"/>
-            <a:ext cx="827471" cy="369332"/>
-          </a:xfrm>
-          <a:prstGeom prst="rect">
-            <a:avLst/>
-          </a:prstGeom>
-          <a:ln w="19050"/>
-        </p:spPr>
-        <p:style>
-          <a:lnRef idx="2">
-            <a:schemeClr val="accent2"/>
-          </a:lnRef>
-          <a:fillRef idx="1">
-            <a:schemeClr val="lt1"/>
-          </a:fillRef>
-          <a:effectRef idx="0">
-            <a:schemeClr val="accent2"/>
-          </a:effectRef>
-          <a:fontRef idx="minor">
-            <a:schemeClr val="dk1"/>
-          </a:fontRef>
-        </p:style>
-        <p:txBody>
-          <a:bodyPr wrap="none" rtlCol="0">
-            <a:spAutoFit/>
-          </a:bodyPr>
-          <a:lstStyle/>
-          <a:p>
-            <a:r>
-              <a:rPr lang="en-GB" dirty="0"/>
-              <a:t>Import</a:t>
-            </a:r>
-          </a:p>
-        </p:txBody>
-      </p:sp>
-      <p:cxnSp>
-        <p:nvCxnSpPr>
-          <p:cNvPr id="34" name="Straight Arrow Connector 33">
-            <a:extLst>
-              <a:ext uri="{FF2B5EF4-FFF2-40B4-BE49-F238E27FC236}">
-                <a16:creationId xmlns:a16="http://schemas.microsoft.com/office/drawing/2014/main" id="{8639530E-1E59-4D51-8F28-2FC1739037CA}"/>
-              </a:ext>
-            </a:extLst>
-          </p:cNvPr>
-          <p:cNvCxnSpPr>
-            <a:cxnSpLocks/>
-          </p:cNvCxnSpPr>
-          <p:nvPr/>
-        </p:nvCxnSpPr>
-        <p:spPr>
-          <a:xfrm flipV="1">
-            <a:off x="4700881" y="5677683"/>
-            <a:ext cx="172655" cy="350128"/>
-          </a:xfrm>
-          <a:prstGeom prst="straightConnector1">
-            <a:avLst/>
-          </a:prstGeom>
-          <a:ln w="19050">
-            <a:solidFill>
-              <a:schemeClr val="accent2"/>
-            </a:solidFill>
-            <a:tailEnd type="triangle"/>
-          </a:ln>
-        </p:spPr>
-        <p:style>
-          <a:lnRef idx="1">
-            <a:schemeClr val="accent2"/>
-          </a:lnRef>
-          <a:fillRef idx="0">
-            <a:schemeClr val="accent2"/>
-          </a:fillRef>
-          <a:effectRef idx="0">
-            <a:schemeClr val="accent2"/>
-          </a:effectRef>
-          <a:fontRef idx="minor">
-            <a:schemeClr val="tx1"/>
-          </a:fontRef>
-        </p:style>
-      </p:cxnSp>
-      <p:cxnSp>
-        <p:nvCxnSpPr>
-          <p:cNvPr id="35" name="Straight Arrow Connector 34">
-            <a:extLst>
-              <a:ext uri="{FF2B5EF4-FFF2-40B4-BE49-F238E27FC236}">
-                <a16:creationId xmlns:a16="http://schemas.microsoft.com/office/drawing/2014/main" id="{38DB2FA9-021B-49BA-958F-5887CF13CF37}"/>
-              </a:ext>
-            </a:extLst>
-          </p:cNvPr>
-          <p:cNvCxnSpPr>
-            <a:cxnSpLocks/>
-          </p:cNvCxnSpPr>
-          <p:nvPr/>
-        </p:nvCxnSpPr>
-        <p:spPr>
-          <a:xfrm flipV="1">
-            <a:off x="5076572" y="4788822"/>
-            <a:ext cx="183678" cy="352293"/>
-          </a:xfrm>
-          <a:prstGeom prst="straightConnector1">
-            <a:avLst/>
-          </a:prstGeom>
-          <a:ln w="19050">
-            <a:solidFill>
-              <a:schemeClr val="accent2"/>
-            </a:solidFill>
-            <a:tailEnd type="triangle"/>
-          </a:ln>
-        </p:spPr>
-        <p:style>
-          <a:lnRef idx="1">
-            <a:schemeClr val="accent2"/>
-          </a:lnRef>
-          <a:fillRef idx="0">
-            <a:schemeClr val="accent2"/>
-          </a:fillRef>
-          <a:effectRef idx="0">
-            <a:schemeClr val="accent2"/>
-          </a:effectRef>
-          <a:fontRef idx="minor">
-            <a:schemeClr val="tx1"/>
-          </a:fontRef>
-        </p:style>
-      </p:cxnSp>
-      <p:cxnSp>
-        <p:nvCxnSpPr>
-          <p:cNvPr id="36" name="Straight Arrow Connector 35">
-            <a:extLst>
-              <a:ext uri="{FF2B5EF4-FFF2-40B4-BE49-F238E27FC236}">
-                <a16:creationId xmlns:a16="http://schemas.microsoft.com/office/drawing/2014/main" id="{F247310E-DA07-4514-A607-349907B55170}"/>
-              </a:ext>
-            </a:extLst>
-          </p:cNvPr>
-          <p:cNvCxnSpPr>
-            <a:cxnSpLocks/>
-          </p:cNvCxnSpPr>
-          <p:nvPr/>
-        </p:nvCxnSpPr>
-        <p:spPr>
-          <a:xfrm flipH="1" flipV="1">
-            <a:off x="7455369" y="4789723"/>
-            <a:ext cx="501416" cy="1171462"/>
-          </a:xfrm>
-          <a:prstGeom prst="straightConnector1">
-            <a:avLst/>
-          </a:prstGeom>
-          <a:ln w="19050">
-            <a:solidFill>
-              <a:schemeClr val="accent2"/>
-            </a:solidFill>
-            <a:tailEnd type="triangle"/>
-          </a:ln>
-        </p:spPr>
-        <p:style>
-          <a:lnRef idx="1">
-            <a:schemeClr val="accent2"/>
-          </a:lnRef>
-          <a:fillRef idx="0">
-            <a:schemeClr val="accent2"/>
-          </a:fillRef>
-          <a:effectRef idx="0">
-            <a:schemeClr val="accent2"/>
-          </a:effectRef>
-          <a:fontRef idx="minor">
-            <a:schemeClr val="tx1"/>
-          </a:fontRef>
-        </p:style>
-      </p:cxnSp>
-      <p:cxnSp>
-        <p:nvCxnSpPr>
-          <p:cNvPr id="47" name="Straight Arrow Connector 46">
-            <a:extLst>
-              <a:ext uri="{FF2B5EF4-FFF2-40B4-BE49-F238E27FC236}">
-                <a16:creationId xmlns:a16="http://schemas.microsoft.com/office/drawing/2014/main" id="{ED445057-C1AC-47B3-B546-7954DBB72A30}"/>
-              </a:ext>
-            </a:extLst>
-          </p:cNvPr>
-          <p:cNvCxnSpPr>
-            <a:cxnSpLocks/>
-          </p:cNvCxnSpPr>
-          <p:nvPr/>
-        </p:nvCxnSpPr>
-        <p:spPr>
-          <a:xfrm flipV="1">
-            <a:off x="6368816" y="1079010"/>
-            <a:ext cx="0" cy="352330"/>
-          </a:xfrm>
-          <a:prstGeom prst="straightConnector1">
-            <a:avLst/>
-          </a:prstGeom>
-          <a:ln w="19050">
-            <a:solidFill>
-              <a:schemeClr val="accent2"/>
-            </a:solidFill>
-            <a:tailEnd type="triangle"/>
-          </a:ln>
-        </p:spPr>
-        <p:style>
-          <a:lnRef idx="1">
-            <a:schemeClr val="accent2"/>
-          </a:lnRef>
-          <a:fillRef idx="0">
-            <a:schemeClr val="accent2"/>
-          </a:fillRef>
-          <a:effectRef idx="0">
-            <a:schemeClr val="accent2"/>
-          </a:effectRef>
-          <a:fontRef idx="minor">
-            <a:schemeClr val="tx1"/>
-          </a:fontRef>
-        </p:style>
-      </p:cxnSp>
-      <p:sp>
-        <p:nvSpPr>
-          <p:cNvPr id="49" name="TextBox 48">
-            <a:extLst>
-              <a:ext uri="{FF2B5EF4-FFF2-40B4-BE49-F238E27FC236}">
-                <a16:creationId xmlns:a16="http://schemas.microsoft.com/office/drawing/2014/main" id="{4A8B373B-6AF0-4151-B02C-D69E18FE3BA2}"/>
-              </a:ext>
-            </a:extLst>
-          </p:cNvPr>
-          <p:cNvSpPr txBox="1"/>
-          <p:nvPr/>
-        </p:nvSpPr>
-        <p:spPr>
-          <a:xfrm>
-            <a:off x="9006504" y="6110457"/>
-            <a:ext cx="1885966" cy="369332"/>
-          </a:xfrm>
-          <a:prstGeom prst="rect">
-            <a:avLst/>
-          </a:prstGeom>
-          <a:ln w="19050">
+          <a:ln w="28575">
             <a:solidFill>
               <a:schemeClr val="accent4">
                 <a:lumMod val="60000"/>
@@ -4304,7 +4041,7 @@
           <a:lstStyle/>
           <a:p>
             <a:r>
-              <a:rPr lang="en-GB" dirty="0">
+              <a:rPr lang="en-GB" sz="1600" dirty="0">
                 <a:solidFill>
                   <a:schemeClr val="tx1">
                     <a:lumMod val="65000"/>
@@ -4319,10 +4056,10 @@
       </p:sp>
       <p:cxnSp>
         <p:nvCxnSpPr>
-          <p:cNvPr id="50" name="Straight Arrow Connector 49">
-            <a:extLst>
-              <a:ext uri="{FF2B5EF4-FFF2-40B4-BE49-F238E27FC236}">
-                <a16:creationId xmlns:a16="http://schemas.microsoft.com/office/drawing/2014/main" id="{D1AD6223-B4AD-41B2-ACA1-FD38D9C3EA3F}"/>
+          <p:cNvPr id="31" name="Straight Arrow Connector 30">
+            <a:extLst>
+              <a:ext uri="{FF2B5EF4-FFF2-40B4-BE49-F238E27FC236}">
+                <a16:creationId xmlns:a16="http://schemas.microsoft.com/office/drawing/2014/main" id="{6EC975AE-9E7B-419F-AC5C-88BC9617481E}"/>
               </a:ext>
             </a:extLst>
           </p:cNvPr>
@@ -4332,32 +4069,29 @@
           <p:nvPr/>
         </p:nvCxnSpPr>
         <p:spPr>
-          <a:xfrm flipH="1" flipV="1">
-            <a:off x="8688207" y="6293859"/>
-            <a:ext cx="228164" cy="1"/>
+          <a:xfrm flipV="1">
+            <a:off x="6110887" y="5373600"/>
+            <a:ext cx="0" cy="168592"/>
           </a:xfrm>
           <a:prstGeom prst="straightConnector1">
             <a:avLst/>
           </a:prstGeom>
-          <a:ln w="19050">
+          <a:ln w="28575">
             <a:solidFill>
-              <a:schemeClr val="accent4">
-                <a:lumMod val="60000"/>
-                <a:lumOff val="40000"/>
-              </a:schemeClr>
+              <a:schemeClr val="tx1"/>
             </a:solidFill>
             <a:tailEnd type="triangle"/>
           </a:ln>
         </p:spPr>
         <p:style>
           <a:lnRef idx="1">
-            <a:schemeClr val="accent4"/>
+            <a:schemeClr val="accent2"/>
           </a:lnRef>
           <a:fillRef idx="0">
-            <a:schemeClr val="accent4"/>
+            <a:schemeClr val="accent2"/>
           </a:fillRef>
           <a:effectRef idx="0">
-            <a:schemeClr val="accent4"/>
+            <a:schemeClr val="accent2"/>
           </a:effectRef>
           <a:fontRef idx="minor">
             <a:schemeClr val="tx1"/>
@@ -4366,10 +4100,10 @@
       </p:cxnSp>
       <p:cxnSp>
         <p:nvCxnSpPr>
-          <p:cNvPr id="55" name="Straight Arrow Connector 54">
-            <a:extLst>
-              <a:ext uri="{FF2B5EF4-FFF2-40B4-BE49-F238E27FC236}">
-                <a16:creationId xmlns:a16="http://schemas.microsoft.com/office/drawing/2014/main" id="{4DB75890-A0E9-42AC-AEF6-53BA20E2A6E9}"/>
+          <p:cNvPr id="32" name="Straight Arrow Connector 31">
+            <a:extLst>
+              <a:ext uri="{FF2B5EF4-FFF2-40B4-BE49-F238E27FC236}">
+                <a16:creationId xmlns:a16="http://schemas.microsoft.com/office/drawing/2014/main" id="{13B5759D-7D98-40D5-BB44-3FEED5347E9C}"/>
               </a:ext>
             </a:extLst>
           </p:cNvPr>
@@ -4380,15 +4114,15 @@
         </p:nvCxnSpPr>
         <p:spPr>
           <a:xfrm flipV="1">
-            <a:off x="6368817" y="2880030"/>
-            <a:ext cx="0" cy="352330"/>
+            <a:off x="6104754" y="1321358"/>
+            <a:ext cx="0" cy="168592"/>
           </a:xfrm>
           <a:prstGeom prst="straightConnector1">
             <a:avLst/>
           </a:prstGeom>
-          <a:ln w="19050">
+          <a:ln w="28575">
             <a:solidFill>
-              <a:schemeClr val="accent2"/>
+              <a:schemeClr val="tx1"/>
             </a:solidFill>
             <a:tailEnd type="triangle"/>
           </a:ln>
@@ -4410,10 +4144,10 @@
       </p:cxnSp>
       <p:cxnSp>
         <p:nvCxnSpPr>
-          <p:cNvPr id="60" name="Straight Connector 59">
-            <a:extLst>
-              <a:ext uri="{FF2B5EF4-FFF2-40B4-BE49-F238E27FC236}">
-                <a16:creationId xmlns:a16="http://schemas.microsoft.com/office/drawing/2014/main" id="{3334CF06-46A2-4747-93C2-13AD49E652CB}"/>
+          <p:cNvPr id="33" name="Straight Arrow Connector 32">
+            <a:extLst>
+              <a:ext uri="{FF2B5EF4-FFF2-40B4-BE49-F238E27FC236}">
+                <a16:creationId xmlns:a16="http://schemas.microsoft.com/office/drawing/2014/main" id="{5F79C0FC-D2F0-4522-97B4-F4909333328D}"/>
               </a:ext>
             </a:extLst>
           </p:cNvPr>
@@ -4424,33 +4158,475 @@
         </p:nvCxnSpPr>
         <p:spPr>
           <a:xfrm flipV="1">
-            <a:off x="8414240" y="1716882"/>
-            <a:ext cx="0" cy="4310929"/>
+            <a:off x="6104286" y="1931834"/>
+            <a:ext cx="0" cy="168592"/>
           </a:xfrm>
-          <a:prstGeom prst="line">
+          <a:prstGeom prst="straightConnector1">
             <a:avLst/>
           </a:prstGeom>
-          <a:ln w="19050">
+          <a:ln w="28575">
+            <a:solidFill>
+              <a:schemeClr val="tx1"/>
+            </a:solidFill>
+            <a:tailEnd type="triangle"/>
+          </a:ln>
+        </p:spPr>
+        <p:style>
+          <a:lnRef idx="1">
+            <a:schemeClr val="accent2"/>
+          </a:lnRef>
+          <a:fillRef idx="0">
+            <a:schemeClr val="accent2"/>
+          </a:fillRef>
+          <a:effectRef idx="0">
+            <a:schemeClr val="accent2"/>
+          </a:effectRef>
+          <a:fontRef idx="minor">
+            <a:schemeClr val="tx1"/>
+          </a:fontRef>
+        </p:style>
+      </p:cxnSp>
+      <p:cxnSp>
+        <p:nvCxnSpPr>
+          <p:cNvPr id="37" name="Straight Arrow Connector 36">
+            <a:extLst>
+              <a:ext uri="{FF2B5EF4-FFF2-40B4-BE49-F238E27FC236}">
+                <a16:creationId xmlns:a16="http://schemas.microsoft.com/office/drawing/2014/main" id="{6027DADC-7BF7-4154-AB61-D8F93455555F}"/>
+              </a:ext>
+            </a:extLst>
+          </p:cNvPr>
+          <p:cNvCxnSpPr>
+            <a:cxnSpLocks/>
+          </p:cNvCxnSpPr>
+          <p:nvPr/>
+        </p:nvCxnSpPr>
+        <p:spPr>
+          <a:xfrm flipV="1">
+            <a:off x="6104790" y="2548555"/>
+            <a:ext cx="0" cy="168592"/>
+          </a:xfrm>
+          <a:prstGeom prst="straightConnector1">
+            <a:avLst/>
+          </a:prstGeom>
+          <a:ln w="28575">
+            <a:solidFill>
+              <a:schemeClr val="tx1"/>
+            </a:solidFill>
+            <a:tailEnd type="triangle"/>
+          </a:ln>
+        </p:spPr>
+        <p:style>
+          <a:lnRef idx="1">
+            <a:schemeClr val="accent2"/>
+          </a:lnRef>
+          <a:fillRef idx="0">
+            <a:schemeClr val="accent2"/>
+          </a:fillRef>
+          <a:effectRef idx="0">
+            <a:schemeClr val="accent2"/>
+          </a:effectRef>
+          <a:fontRef idx="minor">
+            <a:schemeClr val="tx1"/>
+          </a:fontRef>
+        </p:style>
+      </p:cxnSp>
+      <p:cxnSp>
+        <p:nvCxnSpPr>
+          <p:cNvPr id="38" name="Straight Arrow Connector 37">
+            <a:extLst>
+              <a:ext uri="{FF2B5EF4-FFF2-40B4-BE49-F238E27FC236}">
+                <a16:creationId xmlns:a16="http://schemas.microsoft.com/office/drawing/2014/main" id="{131D125A-A3E5-4204-AD2B-2EF8226CD7B9}"/>
+              </a:ext>
+            </a:extLst>
+          </p:cNvPr>
+          <p:cNvCxnSpPr>
+            <a:cxnSpLocks/>
+          </p:cNvCxnSpPr>
+          <p:nvPr/>
+        </p:nvCxnSpPr>
+        <p:spPr>
+          <a:xfrm flipV="1">
+            <a:off x="6106956" y="4140365"/>
+            <a:ext cx="0" cy="168592"/>
+          </a:xfrm>
+          <a:prstGeom prst="straightConnector1">
+            <a:avLst/>
+          </a:prstGeom>
+          <a:ln w="28575">
+            <a:solidFill>
+              <a:schemeClr val="tx1"/>
+            </a:solidFill>
+            <a:tailEnd type="triangle"/>
+          </a:ln>
+        </p:spPr>
+        <p:style>
+          <a:lnRef idx="1">
+            <a:schemeClr val="accent2"/>
+          </a:lnRef>
+          <a:fillRef idx="0">
+            <a:schemeClr val="accent2"/>
+          </a:fillRef>
+          <a:effectRef idx="0">
+            <a:schemeClr val="accent2"/>
+          </a:effectRef>
+          <a:fontRef idx="minor">
+            <a:schemeClr val="tx1"/>
+          </a:fontRef>
+        </p:style>
+      </p:cxnSp>
+      <p:cxnSp>
+        <p:nvCxnSpPr>
+          <p:cNvPr id="39" name="Straight Arrow Connector 38">
+            <a:extLst>
+              <a:ext uri="{FF2B5EF4-FFF2-40B4-BE49-F238E27FC236}">
+                <a16:creationId xmlns:a16="http://schemas.microsoft.com/office/drawing/2014/main" id="{0A513210-21FE-48AB-8FD0-9E17245C9884}"/>
+              </a:ext>
+            </a:extLst>
+          </p:cNvPr>
+          <p:cNvCxnSpPr>
+            <a:cxnSpLocks/>
+          </p:cNvCxnSpPr>
+          <p:nvPr/>
+        </p:nvCxnSpPr>
+        <p:spPr>
+          <a:xfrm flipV="1">
+            <a:off x="6110888" y="4760778"/>
+            <a:ext cx="0" cy="168592"/>
+          </a:xfrm>
+          <a:prstGeom prst="straightConnector1">
+            <a:avLst/>
+          </a:prstGeom>
+          <a:ln w="28575">
+            <a:solidFill>
+              <a:schemeClr val="tx1"/>
+            </a:solidFill>
+            <a:tailEnd type="triangle"/>
+          </a:ln>
+        </p:spPr>
+        <p:style>
+          <a:lnRef idx="1">
+            <a:schemeClr val="accent2"/>
+          </a:lnRef>
+          <a:fillRef idx="0">
+            <a:schemeClr val="accent2"/>
+          </a:fillRef>
+          <a:effectRef idx="0">
+            <a:schemeClr val="accent2"/>
+          </a:effectRef>
+          <a:fontRef idx="minor">
+            <a:schemeClr val="tx1"/>
+          </a:fontRef>
+        </p:style>
+      </p:cxnSp>
+      <p:cxnSp>
+        <p:nvCxnSpPr>
+          <p:cNvPr id="40" name="Straight Arrow Connector 39">
+            <a:extLst>
+              <a:ext uri="{FF2B5EF4-FFF2-40B4-BE49-F238E27FC236}">
+                <a16:creationId xmlns:a16="http://schemas.microsoft.com/office/drawing/2014/main" id="{C476F4A0-F5A3-4EA8-942D-A51991521030}"/>
+              </a:ext>
+            </a:extLst>
+          </p:cNvPr>
+          <p:cNvCxnSpPr>
+            <a:cxnSpLocks/>
+          </p:cNvCxnSpPr>
+          <p:nvPr/>
+        </p:nvCxnSpPr>
+        <p:spPr>
+          <a:xfrm rot="16200000" flipV="1">
+            <a:off x="7627332" y="2237419"/>
+            <a:ext cx="0" cy="168592"/>
+          </a:xfrm>
+          <a:prstGeom prst="straightConnector1">
+            <a:avLst/>
+          </a:prstGeom>
+          <a:ln w="28575">
+            <a:solidFill>
+              <a:schemeClr val="tx1"/>
+            </a:solidFill>
+            <a:tailEnd type="triangle"/>
+          </a:ln>
+        </p:spPr>
+        <p:style>
+          <a:lnRef idx="1">
+            <a:schemeClr val="accent2"/>
+          </a:lnRef>
+          <a:fillRef idx="0">
+            <a:schemeClr val="accent2"/>
+          </a:fillRef>
+          <a:effectRef idx="0">
+            <a:schemeClr val="accent2"/>
+          </a:effectRef>
+          <a:fontRef idx="minor">
+            <a:schemeClr val="tx1"/>
+          </a:fontRef>
+        </p:style>
+      </p:cxnSp>
+      <p:cxnSp>
+        <p:nvCxnSpPr>
+          <p:cNvPr id="41" name="Straight Arrow Connector 40">
+            <a:extLst>
+              <a:ext uri="{FF2B5EF4-FFF2-40B4-BE49-F238E27FC236}">
+                <a16:creationId xmlns:a16="http://schemas.microsoft.com/office/drawing/2014/main" id="{4A6F58D1-24F5-4CBF-B0F8-E7A71FA6119F}"/>
+              </a:ext>
+            </a:extLst>
+          </p:cNvPr>
+          <p:cNvCxnSpPr>
+            <a:cxnSpLocks/>
+          </p:cNvCxnSpPr>
+          <p:nvPr/>
+        </p:nvCxnSpPr>
+        <p:spPr>
+          <a:xfrm rot="5400000" flipV="1">
+            <a:off x="4391254" y="5682967"/>
+            <a:ext cx="0" cy="168592"/>
+          </a:xfrm>
+          <a:prstGeom prst="straightConnector1">
+            <a:avLst/>
+          </a:prstGeom>
+          <a:ln w="28575">
+            <a:solidFill>
+              <a:schemeClr val="tx1"/>
+            </a:solidFill>
+            <a:tailEnd type="triangle"/>
+          </a:ln>
+        </p:spPr>
+        <p:style>
+          <a:lnRef idx="1">
+            <a:schemeClr val="accent2"/>
+          </a:lnRef>
+          <a:fillRef idx="0">
+            <a:schemeClr val="accent2"/>
+          </a:fillRef>
+          <a:effectRef idx="0">
+            <a:schemeClr val="accent2"/>
+          </a:effectRef>
+          <a:fontRef idx="minor">
+            <a:schemeClr val="tx1"/>
+          </a:fontRef>
+        </p:style>
+      </p:cxnSp>
+      <p:cxnSp>
+        <p:nvCxnSpPr>
+          <p:cNvPr id="43" name="Straight Arrow Connector 42">
+            <a:extLst>
+              <a:ext uri="{FF2B5EF4-FFF2-40B4-BE49-F238E27FC236}">
+                <a16:creationId xmlns:a16="http://schemas.microsoft.com/office/drawing/2014/main" id="{BF705FC5-18D9-4BE5-8F5B-94E392FD7EA5}"/>
+              </a:ext>
+            </a:extLst>
+          </p:cNvPr>
+          <p:cNvCxnSpPr>
+            <a:cxnSpLocks/>
+          </p:cNvCxnSpPr>
+          <p:nvPr/>
+        </p:nvCxnSpPr>
+        <p:spPr>
+          <a:xfrm flipV="1">
+            <a:off x="6102096" y="698762"/>
+            <a:ext cx="0" cy="168592"/>
+          </a:xfrm>
+          <a:prstGeom prst="straightConnector1">
+            <a:avLst/>
+          </a:prstGeom>
+          <a:ln w="28575">
+            <a:solidFill>
+              <a:schemeClr val="tx1"/>
+            </a:solidFill>
+            <a:tailEnd type="triangle"/>
+          </a:ln>
+        </p:spPr>
+        <p:style>
+          <a:lnRef idx="1">
+            <a:schemeClr val="accent2"/>
+          </a:lnRef>
+          <a:fillRef idx="0">
+            <a:schemeClr val="accent2"/>
+          </a:fillRef>
+          <a:effectRef idx="0">
+            <a:schemeClr val="accent2"/>
+          </a:effectRef>
+          <a:fontRef idx="minor">
+            <a:schemeClr val="tx1"/>
+          </a:fontRef>
+        </p:style>
+      </p:cxnSp>
+      <p:sp>
+        <p:nvSpPr>
+          <p:cNvPr id="27" name="TextBox 26">
+            <a:extLst>
+              <a:ext uri="{FF2B5EF4-FFF2-40B4-BE49-F238E27FC236}">
+                <a16:creationId xmlns:a16="http://schemas.microsoft.com/office/drawing/2014/main" id="{BAE250A2-C250-4F0F-B679-78C129986E6D}"/>
+              </a:ext>
+            </a:extLst>
+          </p:cNvPr>
+          <p:cNvSpPr txBox="1"/>
+          <p:nvPr/>
+        </p:nvSpPr>
+        <p:spPr>
+          <a:xfrm>
+            <a:off x="1927088" y="893417"/>
+            <a:ext cx="2042097" cy="276999"/>
+          </a:xfrm>
+          <a:prstGeom prst="rect">
+            <a:avLst/>
+          </a:prstGeom>
+          <a:ln w="28575">
             <a:solidFill>
               <a:schemeClr val="accent2"/>
             </a:solidFill>
           </a:ln>
         </p:spPr>
         <p:style>
-          <a:lnRef idx="1">
+          <a:lnRef idx="2">
             <a:schemeClr val="accent2"/>
           </a:lnRef>
-          <a:fillRef idx="0">
-            <a:schemeClr val="accent2"/>
+          <a:fillRef idx="1">
+            <a:schemeClr val="lt1"/>
           </a:fillRef>
           <a:effectRef idx="0">
             <a:schemeClr val="accent2"/>
           </a:effectRef>
           <a:fontRef idx="minor">
-            <a:schemeClr val="tx1"/>
+            <a:schemeClr val="dk1"/>
           </a:fontRef>
         </p:style>
-      </p:cxnSp>
+        <p:txBody>
+          <a:bodyPr wrap="none" rtlCol="0">
+            <a:spAutoFit/>
+          </a:bodyPr>
+          <a:lstStyle/>
+          <a:p>
+            <a:r>
+              <a:rPr lang="en-GB" sz="1200" dirty="0"/>
+              <a:t>Function being called by </a:t>
+            </a:r>
+            <a:r>
+              <a:rPr lang="en-GB" sz="1200" i="1" dirty="0"/>
+              <a:t>main</a:t>
+            </a:r>
+          </a:p>
+        </p:txBody>
+      </p:sp>
+      <p:sp>
+        <p:nvSpPr>
+          <p:cNvPr id="28" name="TextBox 27">
+            <a:extLst>
+              <a:ext uri="{FF2B5EF4-FFF2-40B4-BE49-F238E27FC236}">
+                <a16:creationId xmlns:a16="http://schemas.microsoft.com/office/drawing/2014/main" id="{E980F93E-319E-4A90-80BE-7E3F26C1010B}"/>
+              </a:ext>
+            </a:extLst>
+          </p:cNvPr>
+          <p:cNvSpPr txBox="1"/>
+          <p:nvPr/>
+        </p:nvSpPr>
+        <p:spPr>
+          <a:xfrm>
+            <a:off x="1927088" y="523976"/>
+            <a:ext cx="1162049" cy="276999"/>
+          </a:xfrm>
+          <a:prstGeom prst="rect">
+            <a:avLst/>
+          </a:prstGeom>
+          <a:ln w="28575">
+            <a:solidFill>
+              <a:srgbClr val="C00000"/>
+            </a:solidFill>
+          </a:ln>
+        </p:spPr>
+        <p:style>
+          <a:lnRef idx="2">
+            <a:schemeClr val="accent2"/>
+          </a:lnRef>
+          <a:fillRef idx="1">
+            <a:schemeClr val="lt1"/>
+          </a:fillRef>
+          <a:effectRef idx="0">
+            <a:schemeClr val="accent2"/>
+          </a:effectRef>
+          <a:fontRef idx="minor">
+            <a:schemeClr val="dk1"/>
+          </a:fontRef>
+        </p:style>
+        <p:txBody>
+          <a:bodyPr wrap="none" rtlCol="0">
+            <a:spAutoFit/>
+          </a:bodyPr>
+          <a:lstStyle/>
+          <a:p>
+            <a:r>
+              <a:rPr lang="en-GB" sz="1200" dirty="0"/>
+              <a:t>Directly in </a:t>
+            </a:r>
+            <a:r>
+              <a:rPr lang="en-GB" sz="1200" i="1" dirty="0"/>
+              <a:t>main</a:t>
+            </a:r>
+          </a:p>
+        </p:txBody>
+      </p:sp>
+      <p:sp>
+        <p:nvSpPr>
+          <p:cNvPr id="29" name="TextBox 28">
+            <a:extLst>
+              <a:ext uri="{FF2B5EF4-FFF2-40B4-BE49-F238E27FC236}">
+                <a16:creationId xmlns:a16="http://schemas.microsoft.com/office/drawing/2014/main" id="{90460D7A-AB69-4EB5-81B4-C526BEB3E532}"/>
+              </a:ext>
+            </a:extLst>
+          </p:cNvPr>
+          <p:cNvSpPr txBox="1"/>
+          <p:nvPr/>
+        </p:nvSpPr>
+        <p:spPr>
+          <a:xfrm>
+            <a:off x="1927088" y="1262858"/>
+            <a:ext cx="2002728" cy="276999"/>
+          </a:xfrm>
+          <a:prstGeom prst="rect">
+            <a:avLst/>
+          </a:prstGeom>
+          <a:ln w="28575">
+            <a:solidFill>
+              <a:schemeClr val="accent4">
+                <a:lumMod val="60000"/>
+                <a:lumOff val="40000"/>
+              </a:schemeClr>
+            </a:solidFill>
+          </a:ln>
+        </p:spPr>
+        <p:style>
+          <a:lnRef idx="2">
+            <a:schemeClr val="accent4"/>
+          </a:lnRef>
+          <a:fillRef idx="1">
+            <a:schemeClr val="lt1"/>
+          </a:fillRef>
+          <a:effectRef idx="0">
+            <a:schemeClr val="accent4"/>
+          </a:effectRef>
+          <a:fontRef idx="minor">
+            <a:schemeClr val="dk1"/>
+          </a:fontRef>
+        </p:style>
+        <p:txBody>
+          <a:bodyPr wrap="none" rtlCol="0">
+            <a:spAutoFit/>
+          </a:bodyPr>
+          <a:lstStyle/>
+          <a:p>
+            <a:r>
+              <a:rPr lang="en-GB" sz="1200" dirty="0">
+                <a:solidFill>
+                  <a:schemeClr val="tx1">
+                    <a:lumMod val="65000"/>
+                    <a:lumOff val="35000"/>
+                  </a:schemeClr>
+                </a:solidFill>
+              </a:rPr>
+              <a:t>External data being imported</a:t>
+            </a:r>
+          </a:p>
+        </p:txBody>
+      </p:sp>
     </p:spTree>
     <p:extLst>
       <p:ext uri="{BB962C8B-B14F-4D97-AF65-F5344CB8AC3E}">

--- a/DMBEM_code_structure.pptx
+++ b/DMBEM_code_structure.pptx
@@ -261,7 +261,7 @@
           <a:p>
             <a:fld id="{4362171C-C25F-479C-B4BF-1B0181DE6E1F}" type="datetimeFigureOut">
               <a:rPr lang="en-GB" smtClean="0"/>
-              <a:t>15/11/2021</a:t>
+              <a:t>22/11/2021</a:t>
             </a:fld>
             <a:endParaRPr lang="en-GB"/>
           </a:p>
@@ -461,7 +461,7 @@
           <a:p>
             <a:fld id="{4362171C-C25F-479C-B4BF-1B0181DE6E1F}" type="datetimeFigureOut">
               <a:rPr lang="en-GB" smtClean="0"/>
-              <a:t>15/11/2021</a:t>
+              <a:t>22/11/2021</a:t>
             </a:fld>
             <a:endParaRPr lang="en-GB"/>
           </a:p>
@@ -671,7 +671,7 @@
           <a:p>
             <a:fld id="{4362171C-C25F-479C-B4BF-1B0181DE6E1F}" type="datetimeFigureOut">
               <a:rPr lang="en-GB" smtClean="0"/>
-              <a:t>15/11/2021</a:t>
+              <a:t>22/11/2021</a:t>
             </a:fld>
             <a:endParaRPr lang="en-GB"/>
           </a:p>
@@ -871,7 +871,7 @@
           <a:p>
             <a:fld id="{4362171C-C25F-479C-B4BF-1B0181DE6E1F}" type="datetimeFigureOut">
               <a:rPr lang="en-GB" smtClean="0"/>
-              <a:t>15/11/2021</a:t>
+              <a:t>22/11/2021</a:t>
             </a:fld>
             <a:endParaRPr lang="en-GB"/>
           </a:p>
@@ -1147,7 +1147,7 @@
           <a:p>
             <a:fld id="{4362171C-C25F-479C-B4BF-1B0181DE6E1F}" type="datetimeFigureOut">
               <a:rPr lang="en-GB" smtClean="0"/>
-              <a:t>15/11/2021</a:t>
+              <a:t>22/11/2021</a:t>
             </a:fld>
             <a:endParaRPr lang="en-GB"/>
           </a:p>
@@ -1415,7 +1415,7 @@
           <a:p>
             <a:fld id="{4362171C-C25F-479C-B4BF-1B0181DE6E1F}" type="datetimeFigureOut">
               <a:rPr lang="en-GB" smtClean="0"/>
-              <a:t>15/11/2021</a:t>
+              <a:t>22/11/2021</a:t>
             </a:fld>
             <a:endParaRPr lang="en-GB"/>
           </a:p>
@@ -1830,7 +1830,7 @@
           <a:p>
             <a:fld id="{4362171C-C25F-479C-B4BF-1B0181DE6E1F}" type="datetimeFigureOut">
               <a:rPr lang="en-GB" smtClean="0"/>
-              <a:t>15/11/2021</a:t>
+              <a:t>22/11/2021</a:t>
             </a:fld>
             <a:endParaRPr lang="en-GB"/>
           </a:p>
@@ -1972,7 +1972,7 @@
           <a:p>
             <a:fld id="{4362171C-C25F-479C-B4BF-1B0181DE6E1F}" type="datetimeFigureOut">
               <a:rPr lang="en-GB" smtClean="0"/>
-              <a:t>15/11/2021</a:t>
+              <a:t>22/11/2021</a:t>
             </a:fld>
             <a:endParaRPr lang="en-GB"/>
           </a:p>
@@ -2085,7 +2085,7 @@
           <a:p>
             <a:fld id="{4362171C-C25F-479C-B4BF-1B0181DE6E1F}" type="datetimeFigureOut">
               <a:rPr lang="en-GB" smtClean="0"/>
-              <a:t>15/11/2021</a:t>
+              <a:t>22/11/2021</a:t>
             </a:fld>
             <a:endParaRPr lang="en-GB"/>
           </a:p>
@@ -2398,7 +2398,7 @@
           <a:p>
             <a:fld id="{4362171C-C25F-479C-B4BF-1B0181DE6E1F}" type="datetimeFigureOut">
               <a:rPr lang="en-GB" smtClean="0"/>
-              <a:t>15/11/2021</a:t>
+              <a:t>22/11/2021</a:t>
             </a:fld>
             <a:endParaRPr lang="en-GB"/>
           </a:p>
@@ -2687,7 +2687,7 @@
           <a:p>
             <a:fld id="{4362171C-C25F-479C-B4BF-1B0181DE6E1F}" type="datetimeFigureOut">
               <a:rPr lang="en-GB" smtClean="0"/>
-              <a:t>15/11/2021</a:t>
+              <a:t>22/11/2021</a:t>
             </a:fld>
             <a:endParaRPr lang="en-GB"/>
           </a:p>
@@ -2930,7 +2930,7 @@
           <a:p>
             <a:fld id="{4362171C-C25F-479C-B4BF-1B0181DE6E1F}" type="datetimeFigureOut">
               <a:rPr lang="en-GB" smtClean="0"/>
-              <a:t>15/11/2021</a:t>
+              <a:t>22/11/2021</a:t>
             </a:fld>
             <a:endParaRPr lang="en-GB"/>
           </a:p>
@@ -3361,8 +3361,8 @@
         </p:nvSpPr>
         <p:spPr>
           <a:xfrm>
-            <a:off x="4724588" y="4361709"/>
-            <a:ext cx="2760332" cy="338554"/>
+            <a:off x="4991124" y="4605023"/>
+            <a:ext cx="2209750" cy="307777"/>
           </a:xfrm>
           <a:prstGeom prst="rect">
             <a:avLst/>
@@ -3393,8 +3393,9 @@
           </a:bodyPr>
           <a:lstStyle/>
           <a:p>
-            <a:r>
-              <a:rPr lang="en-GB" sz="1600" dirty="0"/>
+            <a:pPr algn="ctr"/>
+            <a:r>
+              <a:rPr lang="en-GB" sz="1400" dirty="0"/>
               <a:t>Thermo-physical Properties</a:t>
             </a:r>
           </a:p>
@@ -3414,8 +3415,8 @@
         </p:nvSpPr>
         <p:spPr>
           <a:xfrm>
-            <a:off x="5049166" y="5597986"/>
-            <a:ext cx="2115579" cy="338554"/>
+            <a:off x="5153850" y="5790590"/>
+            <a:ext cx="1884298" cy="307777"/>
           </a:xfrm>
           <a:prstGeom prst="rect">
             <a:avLst/>
@@ -3446,8 +3447,9 @@
           </a:bodyPr>
           <a:lstStyle/>
           <a:p>
-            <a:r>
-              <a:rPr lang="en-GB" sz="1600" dirty="0"/>
+            <a:pPr algn="ctr"/>
+            <a:r>
+              <a:rPr lang="en-GB" sz="1400" dirty="0"/>
               <a:t>Building Characteristics</a:t>
             </a:r>
           </a:p>
@@ -3467,8 +3469,8 @@
         </p:nvSpPr>
         <p:spPr>
           <a:xfrm>
-            <a:off x="5177293" y="2774975"/>
-            <a:ext cx="1854995" cy="1308050"/>
+            <a:off x="5202164" y="2492726"/>
+            <a:ext cx="1787669" cy="1231106"/>
           </a:xfrm>
           <a:prstGeom prst="rect">
             <a:avLst/>
@@ -3500,7 +3502,7 @@
           <a:lstStyle/>
           <a:p>
             <a:r>
-              <a:rPr lang="en-GB" sz="1600" dirty="0"/>
+              <a:rPr lang="en-GB" sz="1400" dirty="0"/>
               <a:t>Element functions</a:t>
             </a:r>
           </a:p>
@@ -3510,7 +3512,7 @@
               <a:buChar char="•"/>
             </a:pPr>
             <a:r>
-              <a:rPr lang="en-GB" sz="1050" dirty="0"/>
+              <a:rPr lang="en-GB" sz="1000" dirty="0"/>
               <a:t>Indoor air</a:t>
             </a:r>
           </a:p>
@@ -3520,7 +3522,7 @@
               <a:buChar char="•"/>
             </a:pPr>
             <a:r>
-              <a:rPr lang="en-GB" sz="1050" dirty="0"/>
+              <a:rPr lang="en-GB" sz="1000" dirty="0"/>
               <a:t>Ventilation</a:t>
             </a:r>
           </a:p>
@@ -3530,7 +3532,7 @@
               <a:buChar char="•"/>
             </a:pPr>
             <a:r>
-              <a:rPr lang="en-GB" sz="1050" dirty="0"/>
+              <a:rPr lang="en-GB" sz="1000" dirty="0"/>
               <a:t>Solid Wall with Insulation</a:t>
             </a:r>
           </a:p>
@@ -3540,7 +3542,7 @@
               <a:buChar char="•"/>
             </a:pPr>
             <a:r>
-              <a:rPr lang="en-GB" sz="1050" dirty="0"/>
+              <a:rPr lang="en-GB" sz="1000" dirty="0"/>
               <a:t>Window</a:t>
             </a:r>
           </a:p>
@@ -3550,7 +3552,7 @@
               <a:buChar char="•"/>
             </a:pPr>
             <a:r>
-              <a:rPr lang="en-GB" sz="1050" dirty="0"/>
+              <a:rPr lang="en-GB" sz="1000" dirty="0"/>
               <a:t>Floor</a:t>
             </a:r>
           </a:p>
@@ -3560,7 +3562,7 @@
               <a:buChar char="•"/>
             </a:pPr>
             <a:r>
-              <a:rPr lang="en-GB" sz="1050" dirty="0"/>
+              <a:rPr lang="en-GB" sz="1000" dirty="0"/>
               <a:t>Roof</a:t>
             </a:r>
           </a:p>
@@ -3580,8 +3582,8 @@
         </p:nvSpPr>
         <p:spPr>
           <a:xfrm>
-            <a:off x="5650083" y="2156578"/>
-            <a:ext cx="909416" cy="338554"/>
+            <a:off x="5331955" y="4012240"/>
+            <a:ext cx="1540358" cy="307777"/>
           </a:xfrm>
           <a:prstGeom prst="rect">
             <a:avLst/>
@@ -3612,9 +3614,10 @@
           </a:bodyPr>
           <a:lstStyle/>
           <a:p>
-            <a:r>
-              <a:rPr lang="en-GB" sz="1600" dirty="0"/>
-              <a:t>Weather</a:t>
+            <a:pPr algn="ctr"/>
+            <a:r>
+              <a:rPr lang="en-GB" sz="1400" dirty="0"/>
+              <a:t>Outdoor Radiation</a:t>
             </a:r>
           </a:p>
         </p:txBody>
@@ -3633,8 +3636,8 @@
         </p:nvSpPr>
         <p:spPr>
           <a:xfrm>
-            <a:off x="5616515" y="1539857"/>
-            <a:ext cx="976549" cy="338554"/>
+            <a:off x="5688672" y="1314656"/>
+            <a:ext cx="837024" cy="307777"/>
           </a:xfrm>
           <a:prstGeom prst="rect">
             <a:avLst/>
@@ -3665,9 +3668,10 @@
           </a:bodyPr>
           <a:lstStyle/>
           <a:p>
-            <a:r>
-              <a:rPr lang="en-GB" sz="1600" dirty="0"/>
-              <a:t>Assembly</a:t>
+            <a:pPr algn="ctr"/>
+            <a:r>
+              <a:rPr lang="en-GB" sz="1400" dirty="0"/>
+              <a:t>U-Matrix</a:t>
             </a:r>
           </a:p>
         </p:txBody>
@@ -3686,8 +3690,8 @@
         </p:nvSpPr>
         <p:spPr>
           <a:xfrm>
-            <a:off x="5774582" y="4978633"/>
-            <a:ext cx="684803" cy="338554"/>
+            <a:off x="5808986" y="5196565"/>
+            <a:ext cx="574026" cy="307777"/>
           </a:xfrm>
           <a:prstGeom prst="rect">
             <a:avLst/>
@@ -3718,8 +3722,9 @@
           </a:bodyPr>
           <a:lstStyle/>
           <a:p>
-            <a:r>
-              <a:rPr lang="en-GB" sz="1600" dirty="0"/>
+            <a:pPr algn="ctr"/>
+            <a:r>
+              <a:rPr lang="en-GB" sz="1400" dirty="0"/>
               <a:t>Input</a:t>
             </a:r>
           </a:p>
@@ -3739,8 +3744,8 @@
         </p:nvSpPr>
         <p:spPr>
           <a:xfrm>
-            <a:off x="1927088" y="5597986"/>
-            <a:ext cx="2312236" cy="338554"/>
+            <a:off x="1927126" y="5790590"/>
+            <a:ext cx="2050498" cy="307777"/>
           </a:xfrm>
           <a:prstGeom prst="rect">
             <a:avLst/>
@@ -3774,8 +3779,9 @@
           </a:bodyPr>
           <a:lstStyle/>
           <a:p>
-            <a:r>
-              <a:rPr lang="en-GB" sz="1600" dirty="0">
+            <a:pPr algn="ctr"/>
+            <a:r>
+              <a:rPr lang="en-GB" sz="1400" dirty="0">
                 <a:solidFill>
                   <a:schemeClr val="tx1">
                     <a:lumMod val="65000"/>
@@ -3802,8 +3808,117 @@
         </p:nvSpPr>
         <p:spPr>
           <a:xfrm>
-            <a:off x="5741109" y="921460"/>
-            <a:ext cx="700448" cy="338554"/>
+            <a:off x="5666999" y="728128"/>
+            <a:ext cx="880369" cy="307777"/>
+          </a:xfrm>
+          <a:prstGeom prst="rect">
+            <a:avLst/>
+          </a:prstGeom>
+          <a:noFill/>
+          <a:ln w="28575">
+            <a:solidFill>
+              <a:schemeClr val="accent2"/>
+            </a:solidFill>
+          </a:ln>
+        </p:spPr>
+        <p:style>
+          <a:lnRef idx="2">
+            <a:schemeClr val="accent2"/>
+          </a:lnRef>
+          <a:fillRef idx="1">
+            <a:schemeClr val="lt1"/>
+          </a:fillRef>
+          <a:effectRef idx="0">
+            <a:schemeClr val="accent2"/>
+          </a:effectRef>
+          <a:fontRef idx="minor">
+            <a:schemeClr val="dk1"/>
+          </a:fontRef>
+        </p:style>
+        <p:txBody>
+          <a:bodyPr wrap="none" rtlCol="0">
+            <a:spAutoFit/>
+          </a:bodyPr>
+          <a:lstStyle/>
+          <a:p>
+            <a:pPr algn="ctr"/>
+            <a:r>
+              <a:rPr lang="en-GB" sz="1400" dirty="0"/>
+              <a:t>Assembly</a:t>
+            </a:r>
+          </a:p>
+        </p:txBody>
+      </p:sp>
+      <p:sp>
+        <p:nvSpPr>
+          <p:cNvPr id="45" name="TextBox 44">
+            <a:extLst>
+              <a:ext uri="{FF2B5EF4-FFF2-40B4-BE49-F238E27FC236}">
+                <a16:creationId xmlns:a16="http://schemas.microsoft.com/office/drawing/2014/main" id="{C7B19C3C-8743-40AA-BF07-1671582B0500}"/>
+              </a:ext>
+            </a:extLst>
+          </p:cNvPr>
+          <p:cNvSpPr txBox="1"/>
+          <p:nvPr/>
+        </p:nvSpPr>
+        <p:spPr>
+          <a:xfrm>
+            <a:off x="5543631" y="133644"/>
+            <a:ext cx="1127103" cy="307777"/>
+          </a:xfrm>
+          <a:prstGeom prst="rect">
+            <a:avLst/>
+          </a:prstGeom>
+          <a:ln w="28575">
+            <a:solidFill>
+              <a:schemeClr val="accent2"/>
+            </a:solidFill>
+          </a:ln>
+        </p:spPr>
+        <p:style>
+          <a:lnRef idx="2">
+            <a:schemeClr val="accent2"/>
+          </a:lnRef>
+          <a:fillRef idx="1">
+            <a:schemeClr val="lt1"/>
+          </a:fillRef>
+          <a:effectRef idx="0">
+            <a:schemeClr val="accent2"/>
+          </a:effectRef>
+          <a:fontRef idx="minor">
+            <a:schemeClr val="dk1"/>
+          </a:fontRef>
+        </p:style>
+        <p:txBody>
+          <a:bodyPr wrap="none" rtlCol="0">
+            <a:spAutoFit/>
+          </a:bodyPr>
+          <a:lstStyle/>
+          <a:p>
+            <a:pPr algn="ctr"/>
+            <a:r>
+              <a:rPr lang="en-GB" sz="1400" dirty="0"/>
+              <a:t>Solver &amp; Plot</a:t>
+            </a:r>
+          </a:p>
+        </p:txBody>
+      </p:sp>
+      <p:sp>
+        <p:nvSpPr>
+          <p:cNvPr id="54" name="TextBox 53">
+            <a:extLst>
+              <a:ext uri="{FF2B5EF4-FFF2-40B4-BE49-F238E27FC236}">
+                <a16:creationId xmlns:a16="http://schemas.microsoft.com/office/drawing/2014/main" id="{EFB5A6BC-AB3A-42E1-8BC4-7C716164A74A}"/>
+              </a:ext>
+            </a:extLst>
+          </p:cNvPr>
+          <p:cNvSpPr txBox="1"/>
+          <p:nvPr/>
+        </p:nvSpPr>
+        <p:spPr>
+          <a:xfrm>
+            <a:off x="5753598" y="6383167"/>
+            <a:ext cx="684803" cy="307777"/>
           </a:xfrm>
           <a:prstGeom prst="rect">
             <a:avLst/>
@@ -3834,114 +3949,9 @@
           </a:bodyPr>
           <a:lstStyle/>
           <a:p>
-            <a:r>
-              <a:rPr lang="en-GB" sz="1600" dirty="0"/>
-              <a:t>Solver</a:t>
-            </a:r>
-          </a:p>
-        </p:txBody>
-      </p:sp>
-      <p:sp>
-        <p:nvSpPr>
-          <p:cNvPr id="45" name="TextBox 44">
-            <a:extLst>
-              <a:ext uri="{FF2B5EF4-FFF2-40B4-BE49-F238E27FC236}">
-                <a16:creationId xmlns:a16="http://schemas.microsoft.com/office/drawing/2014/main" id="{C7B19C3C-8743-40AA-BF07-1671582B0500}"/>
-              </a:ext>
-            </a:extLst>
-          </p:cNvPr>
-          <p:cNvSpPr txBox="1"/>
-          <p:nvPr/>
-        </p:nvSpPr>
-        <p:spPr>
-          <a:xfrm>
-            <a:off x="5833887" y="298864"/>
-            <a:ext cx="514885" cy="338554"/>
-          </a:xfrm>
-          <a:prstGeom prst="rect">
-            <a:avLst/>
-          </a:prstGeom>
-          <a:ln w="28575">
-            <a:solidFill>
-              <a:srgbClr val="C00000"/>
-            </a:solidFill>
-          </a:ln>
-        </p:spPr>
-        <p:style>
-          <a:lnRef idx="2">
-            <a:schemeClr val="accent2"/>
-          </a:lnRef>
-          <a:fillRef idx="1">
-            <a:schemeClr val="lt1"/>
-          </a:fillRef>
-          <a:effectRef idx="0">
-            <a:schemeClr val="accent2"/>
-          </a:effectRef>
-          <a:fontRef idx="minor">
-            <a:schemeClr val="dk1"/>
-          </a:fontRef>
-        </p:style>
-        <p:txBody>
-          <a:bodyPr wrap="none" rtlCol="0">
-            <a:spAutoFit/>
-          </a:bodyPr>
-          <a:lstStyle/>
-          <a:p>
-            <a:r>
-              <a:rPr lang="en-GB" sz="1600" dirty="0"/>
-              <a:t>Plot</a:t>
-            </a:r>
-          </a:p>
-        </p:txBody>
-      </p:sp>
-      <p:sp>
-        <p:nvSpPr>
-          <p:cNvPr id="54" name="TextBox 53">
-            <a:extLst>
-              <a:ext uri="{FF2B5EF4-FFF2-40B4-BE49-F238E27FC236}">
-                <a16:creationId xmlns:a16="http://schemas.microsoft.com/office/drawing/2014/main" id="{EFB5A6BC-AB3A-42E1-8BC4-7C716164A74A}"/>
-              </a:ext>
-            </a:extLst>
-          </p:cNvPr>
-          <p:cNvSpPr txBox="1"/>
-          <p:nvPr/>
-        </p:nvSpPr>
-        <p:spPr>
-          <a:xfrm>
-            <a:off x="5732418" y="6220582"/>
-            <a:ext cx="756938" cy="338554"/>
-          </a:xfrm>
-          <a:prstGeom prst="rect">
-            <a:avLst/>
-          </a:prstGeom>
-          <a:ln w="28575">
-            <a:solidFill>
-              <a:srgbClr val="C00000"/>
-            </a:solidFill>
-          </a:ln>
-        </p:spPr>
-        <p:style>
-          <a:lnRef idx="2">
-            <a:schemeClr val="accent2"/>
-          </a:lnRef>
-          <a:fillRef idx="1">
-            <a:schemeClr val="lt1"/>
-          </a:fillRef>
-          <a:effectRef idx="0">
-            <a:schemeClr val="accent2"/>
-          </a:effectRef>
-          <a:fontRef idx="minor">
-            <a:schemeClr val="dk1"/>
-          </a:fontRef>
-        </p:style>
-        <p:txBody>
-          <a:bodyPr wrap="none" rtlCol="0">
-            <a:spAutoFit/>
-          </a:bodyPr>
-          <a:lstStyle/>
-          <a:p>
-            <a:r>
-              <a:rPr lang="en-GB" sz="1600" dirty="0"/>
+            <a:pPr algn="ctr"/>
+            <a:r>
+              <a:rPr lang="en-GB" sz="1400" dirty="0"/>
               <a:t>Import</a:t>
             </a:r>
           </a:p>
@@ -3963,7 +3973,7 @@
         </p:nvCxnSpPr>
         <p:spPr>
           <a:xfrm flipV="1">
-            <a:off x="6116983" y="5992027"/>
+            <a:off x="6096000" y="6170615"/>
             <a:ext cx="0" cy="168592"/>
           </a:xfrm>
           <a:prstGeom prst="straightConnector1">
@@ -4005,8 +4015,8 @@
         </p:nvSpPr>
         <p:spPr>
           <a:xfrm>
-            <a:off x="7789797" y="2150482"/>
-            <a:ext cx="1696362" cy="338554"/>
+            <a:off x="7898550" y="4012240"/>
+            <a:ext cx="1510029" cy="307777"/>
           </a:xfrm>
           <a:prstGeom prst="rect">
             <a:avLst/>
@@ -4040,8 +4050,9 @@
           </a:bodyPr>
           <a:lstStyle/>
           <a:p>
-            <a:r>
-              <a:rPr lang="en-GB" sz="1600" dirty="0">
+            <a:pPr algn="ctr"/>
+            <a:r>
+              <a:rPr lang="en-GB" sz="1400" dirty="0">
                 <a:solidFill>
                   <a:schemeClr val="tx1">
                     <a:lumMod val="65000"/>
@@ -4070,7 +4081,7 @@
         </p:nvCxnSpPr>
         <p:spPr>
           <a:xfrm flipV="1">
-            <a:off x="6110887" y="5373600"/>
+            <a:off x="6084550" y="5565678"/>
             <a:ext cx="0" cy="168592"/>
           </a:xfrm>
           <a:prstGeom prst="straightConnector1">
@@ -4114,7 +4125,7 @@
         </p:nvCxnSpPr>
         <p:spPr>
           <a:xfrm flipV="1">
-            <a:off x="6104754" y="1321358"/>
+            <a:off x="6093342" y="1673935"/>
             <a:ext cx="0" cy="168592"/>
           </a:xfrm>
           <a:prstGeom prst="straightConnector1">
@@ -4158,7 +4169,7 @@
         </p:nvCxnSpPr>
         <p:spPr>
           <a:xfrm flipV="1">
-            <a:off x="6104286" y="1931834"/>
+            <a:off x="6093342" y="3789213"/>
             <a:ext cx="0" cy="168592"/>
           </a:xfrm>
           <a:prstGeom prst="straightConnector1">
@@ -4202,7 +4213,7 @@
         </p:nvCxnSpPr>
         <p:spPr>
           <a:xfrm flipV="1">
-            <a:off x="6104790" y="2548555"/>
+            <a:off x="6093342" y="2271382"/>
             <a:ext cx="0" cy="168592"/>
           </a:xfrm>
           <a:prstGeom prst="straightConnector1">
@@ -4246,7 +4257,7 @@
         </p:nvCxnSpPr>
         <p:spPr>
           <a:xfrm flipV="1">
-            <a:off x="6106956" y="4140365"/>
+            <a:off x="6092340" y="4383679"/>
             <a:ext cx="0" cy="168592"/>
           </a:xfrm>
           <a:prstGeom prst="straightConnector1">
@@ -4290,7 +4301,7 @@
         </p:nvCxnSpPr>
         <p:spPr>
           <a:xfrm flipV="1">
-            <a:off x="6110888" y="4760778"/>
+            <a:off x="6084823" y="4956760"/>
             <a:ext cx="0" cy="168592"/>
           </a:xfrm>
           <a:prstGeom prst="straightConnector1">
@@ -4334,7 +4345,7 @@
         </p:nvCxnSpPr>
         <p:spPr>
           <a:xfrm rot="16200000" flipV="1">
-            <a:off x="7627332" y="2237419"/>
+            <a:off x="7736085" y="4099177"/>
             <a:ext cx="0" cy="168592"/>
           </a:xfrm>
           <a:prstGeom prst="straightConnector1">
@@ -4378,7 +4389,7 @@
         </p:nvCxnSpPr>
         <p:spPr>
           <a:xfrm rot="5400000" flipV="1">
-            <a:off x="4391254" y="5682967"/>
+            <a:off x="4391292" y="5875571"/>
             <a:ext cx="0" cy="168592"/>
           </a:xfrm>
           <a:prstGeom prst="straightConnector1">
@@ -4422,7 +4433,7 @@
         </p:nvCxnSpPr>
         <p:spPr>
           <a:xfrm flipV="1">
-            <a:off x="6102096" y="698762"/>
+            <a:off x="6093342" y="1091942"/>
             <a:ext cx="0" cy="168592"/>
           </a:xfrm>
           <a:prstGeom prst="straightConnector1">
@@ -4464,8 +4475,8 @@
         </p:nvSpPr>
         <p:spPr>
           <a:xfrm>
-            <a:off x="1927088" y="893417"/>
-            <a:ext cx="2042097" cy="276999"/>
+            <a:off x="1927126" y="843771"/>
+            <a:ext cx="1887055" cy="261610"/>
           </a:xfrm>
           <a:prstGeom prst="rect">
             <a:avLst/>
@@ -4496,12 +4507,13 @@
           </a:bodyPr>
           <a:lstStyle/>
           <a:p>
-            <a:r>
-              <a:rPr lang="en-GB" sz="1200" dirty="0"/>
+            <a:pPr algn="ctr"/>
+            <a:r>
+              <a:rPr lang="en-GB" sz="1100" dirty="0"/>
               <a:t>Function being called by </a:t>
             </a:r>
             <a:r>
-              <a:rPr lang="en-GB" sz="1200" i="1" dirty="0"/>
+              <a:rPr lang="en-GB" sz="1100" i="1" dirty="0"/>
               <a:t>main</a:t>
             </a:r>
           </a:p>
@@ -4521,8 +4533,8 @@
         </p:nvSpPr>
         <p:spPr>
           <a:xfrm>
-            <a:off x="1927088" y="523976"/>
-            <a:ext cx="1162049" cy="276999"/>
+            <a:off x="1927126" y="474330"/>
+            <a:ext cx="1083951" cy="261610"/>
           </a:xfrm>
           <a:prstGeom prst="rect">
             <a:avLst/>
@@ -4553,12 +4565,13 @@
           </a:bodyPr>
           <a:lstStyle/>
           <a:p>
-            <a:r>
-              <a:rPr lang="en-GB" sz="1200" dirty="0"/>
+            <a:pPr algn="ctr"/>
+            <a:r>
+              <a:rPr lang="en-GB" sz="1100" dirty="0"/>
               <a:t>Directly in </a:t>
             </a:r>
             <a:r>
-              <a:rPr lang="en-GB" sz="1200" i="1" dirty="0"/>
+              <a:rPr lang="en-GB" sz="1100" i="1" dirty="0"/>
               <a:t>main</a:t>
             </a:r>
           </a:p>
@@ -4578,8 +4591,8 @@
         </p:nvSpPr>
         <p:spPr>
           <a:xfrm>
-            <a:off x="1927088" y="1262858"/>
-            <a:ext cx="2002728" cy="276999"/>
+            <a:off x="1927126" y="1213212"/>
+            <a:ext cx="1853392" cy="261610"/>
           </a:xfrm>
           <a:prstGeom prst="rect">
             <a:avLst/>
@@ -4613,8 +4626,9 @@
           </a:bodyPr>
           <a:lstStyle/>
           <a:p>
-            <a:r>
-              <a:rPr lang="en-GB" sz="1200" dirty="0">
+            <a:pPr algn="ctr"/>
+            <a:r>
+              <a:rPr lang="en-GB" sz="1100" dirty="0">
                 <a:solidFill>
                   <a:schemeClr val="tx1">
                     <a:lumMod val="65000"/>
@@ -4627,6 +4641,104 @@
           </a:p>
         </p:txBody>
       </p:sp>
+      <p:sp>
+        <p:nvSpPr>
+          <p:cNvPr id="30" name="TextBox 29">
+            <a:extLst>
+              <a:ext uri="{FF2B5EF4-FFF2-40B4-BE49-F238E27FC236}">
+                <a16:creationId xmlns:a16="http://schemas.microsoft.com/office/drawing/2014/main" id="{0BAE957B-E828-4533-8C2F-287359A16F59}"/>
+              </a:ext>
+            </a:extLst>
+          </p:cNvPr>
+          <p:cNvSpPr txBox="1"/>
+          <p:nvPr/>
+        </p:nvSpPr>
+        <p:spPr>
+          <a:xfrm>
+            <a:off x="5392155" y="1901184"/>
+            <a:ext cx="1407694" cy="307777"/>
+          </a:xfrm>
+          <a:prstGeom prst="rect">
+            <a:avLst/>
+          </a:prstGeom>
+          <a:ln w="28575">
+            <a:solidFill>
+              <a:schemeClr val="accent2"/>
+            </a:solidFill>
+          </a:ln>
+        </p:spPr>
+        <p:style>
+          <a:lnRef idx="2">
+            <a:schemeClr val="accent2"/>
+          </a:lnRef>
+          <a:fillRef idx="1">
+            <a:schemeClr val="lt1"/>
+          </a:fillRef>
+          <a:effectRef idx="0">
+            <a:schemeClr val="accent2"/>
+          </a:effectRef>
+          <a:fontRef idx="minor">
+            <a:schemeClr val="dk1"/>
+          </a:fontRef>
+        </p:style>
+        <p:txBody>
+          <a:bodyPr wrap="none" rtlCol="0">
+            <a:spAutoFit/>
+          </a:bodyPr>
+          <a:lstStyle/>
+          <a:p>
+            <a:pPr algn="ctr"/>
+            <a:r>
+              <a:rPr lang="en-GB" sz="1400" dirty="0"/>
+              <a:t>Indoor Radiation</a:t>
+            </a:r>
+          </a:p>
+        </p:txBody>
+      </p:sp>
+      <p:cxnSp>
+        <p:nvCxnSpPr>
+          <p:cNvPr id="34" name="Straight Arrow Connector 33">
+            <a:extLst>
+              <a:ext uri="{FF2B5EF4-FFF2-40B4-BE49-F238E27FC236}">
+                <a16:creationId xmlns:a16="http://schemas.microsoft.com/office/drawing/2014/main" id="{F5173A04-35A7-487E-8AE9-6420CBB6523C}"/>
+              </a:ext>
+            </a:extLst>
+          </p:cNvPr>
+          <p:cNvCxnSpPr>
+            <a:cxnSpLocks/>
+          </p:cNvCxnSpPr>
+          <p:nvPr/>
+        </p:nvCxnSpPr>
+        <p:spPr>
+          <a:xfrm flipV="1">
+            <a:off x="6092340" y="496059"/>
+            <a:ext cx="0" cy="168592"/>
+          </a:xfrm>
+          <a:prstGeom prst="straightConnector1">
+            <a:avLst/>
+          </a:prstGeom>
+          <a:ln w="28575">
+            <a:solidFill>
+              <a:schemeClr val="tx1"/>
+            </a:solidFill>
+            <a:tailEnd type="triangle"/>
+          </a:ln>
+        </p:spPr>
+        <p:style>
+          <a:lnRef idx="1">
+            <a:schemeClr val="accent2"/>
+          </a:lnRef>
+          <a:fillRef idx="0">
+            <a:schemeClr val="accent2"/>
+          </a:fillRef>
+          <a:effectRef idx="0">
+            <a:schemeClr val="accent2"/>
+          </a:effectRef>
+          <a:fontRef idx="minor">
+            <a:schemeClr val="tx1"/>
+          </a:fontRef>
+        </p:style>
+      </p:cxnSp>
     </p:spTree>
     <p:extLst>
       <p:ext uri="{BB962C8B-B14F-4D97-AF65-F5344CB8AC3E}">
